--- a/output/presentation.pptx
+++ b/output/presentation.pptx
@@ -8,6 +8,18 @@
   <p:sldIdLst>
     <p:sldId id="256" r:id="rId4"/>
     <p:sldId id="257" r:id="rId5"/>
+    <p:sldId id="258" r:id="rId6"/>
+    <p:sldId id="259" r:id="rId7"/>
+    <p:sldId id="260" r:id="rId8"/>
+    <p:sldId id="261" r:id="rId9"/>
+    <p:sldId id="262" r:id="rId10"/>
+    <p:sldId id="263" r:id="rId11"/>
+    <p:sldId id="264" r:id="rId12"/>
+    <p:sldId id="265" r:id="rId13"/>
+    <p:sldId id="266" r:id="rId14"/>
+    <p:sldId id="267" r:id="rId15"/>
+    <p:sldId id="268" r:id="rId16"/>
+    <p:sldId id="269" r:id="rId17"/>
   </p:sldIdLst>
   <p:sldSz cx="10080625" cy="5670550"/>
   <p:notesSz cx="7559675" cy="10691812"/>
@@ -3475,6 +3487,1335 @@
 </p:sld>
 </file>
 
+<file path=ppt/slides/slide10.xml><?xml version="1.0" encoding="utf-8"?>
+<p:sld xmlns:a="http://schemas.openxmlformats.org/drawingml/2006/main" xmlns:p="http://schemas.openxmlformats.org/presentationml/2006/main" xmlns:r="http://schemas.openxmlformats.org/officeDocument/2006/relationships" xmlns:p14="http://schemas.microsoft.com/office/powerpoint/2010/main" xmlns:p15="http://schemas.microsoft.com/office/powerpoint/2012/main" xmlns:mc="http://schemas.openxmlformats.org/markup-compatibility/2006">
+  <p:cSld>
+    <p:spTree>
+      <p:nvGrpSpPr>
+        <p:cNvPr id="1" name=""/>
+        <p:cNvGrpSpPr/>
+        <p:nvPr/>
+      </p:nvGrpSpPr>
+      <p:grpSpPr>
+        <a:xfrm>
+          <a:off x="0" y="0"/>
+          <a:ext cx="0" cy="0"/>
+          <a:chOff x="0" y="0"/>
+          <a:chExt cx="0" cy="0"/>
+        </a:xfrm>
+      </p:grpSpPr>
+      <p:sp>
+        <p:nvSpPr>
+          <p:cNvPr id="116" name="TextShape 1"/>
+          <p:cNvSpPr txBox="1"/>
+          <p:nvPr/>
+        </p:nvSpPr>
+        <p:spPr>
+          <a:xfrm>
+            <a:off x="504000" y="226080"/>
+            <a:ext cx="9072000" cy="946440"/>
+          </a:xfrm>
+          <a:prstGeom prst="rect">
+            <a:avLst/>
+          </a:prstGeom>
+          <a:noFill/>
+          <a:ln w="0">
+            <a:noFill/>
+          </a:ln>
+        </p:spPr>
+        <p:txBody>
+          <a:bodyPr lIns="0" rIns="0" tIns="0" bIns="0" anchor="ctr">
+            <a:noAutofit/>
+          </a:bodyPr>
+          <a:p>
+            <a:pPr algn="ctr">
+              <a:lnSpc>
+                <a:spcPct val="100000"/>
+              </a:lnSpc>
+            </a:pPr>
+            <a:r>
+              <a:rPr b="0" lang="en-GB" sz="2800" spc="-1" strike="noStrike">
+                <a:solidFill>
+                  <a:srgbClr val="000000"/>
+                </a:solidFill>
+                <a:latin typeface="Arial"/>
+                <a:ea typeface="DejaVu Sans"/>
+              </a:rPr>
+              <a:t>Risk estimation based on the empirical loss function</a:t>
+            </a:r>
+            <a:endParaRPr b="0" lang="en-GB" sz="2800" spc="-1" strike="noStrike">
+              <a:latin typeface="Arial"/>
+            </a:endParaRPr>
+          </a:p>
+        </p:txBody>
+      </p:sp>
+      <p:sp>
+        <p:nvSpPr>
+          <p:cNvPr id="117" name="CustomShape 2"/>
+          <p:cNvSpPr/>
+          <p:nvPr/>
+        </p:nvSpPr>
+        <p:spPr>
+          <a:xfrm>
+            <a:off x="720000" y="1260000"/>
+            <a:ext cx="9000000" cy="2880000"/>
+          </a:xfrm>
+          <a:prstGeom prst="rect">
+            <a:avLst/>
+          </a:prstGeom>
+          <a:noFill/>
+          <a:ln w="0">
+            <a:noFill/>
+          </a:ln>
+        </p:spPr>
+        <p:style>
+          <a:lnRef idx="0"/>
+          <a:fillRef idx="0"/>
+          <a:effectRef idx="0"/>
+          <a:fontRef idx="minor"/>
+        </p:style>
+        <p:txBody>
+          <a:bodyPr lIns="0" rIns="0" tIns="0" bIns="0">
+            <a:noAutofit/>
+          </a:bodyPr>
+          <a:p>
+            <a:pPr>
+              <a:lnSpc>
+                <a:spcPct val="100000"/>
+              </a:lnSpc>
+              <a:spcBef>
+                <a:spcPts val="1417"/>
+              </a:spcBef>
+            </a:pPr>
+            <a:r>
+              <a:rPr b="1" lang="en-US" sz="2000" spc="-1" strike="noStrike">
+                <a:solidFill>
+                  <a:srgbClr val="a26d6a"/>
+                </a:solidFill>
+                <a:latin typeface="Arial"/>
+                <a:ea typeface="Microsoft YaHei"/>
+              </a:rPr>
+              <a:t>To find the value of the upper estimate of the generalisation error U(ρ), a data set is generated and split into training and test samples. Then, varying value ρ from 0 to 1 with step 0.05, the value of U(ρ) is calculated. For clarity, the graphs show the values of functions U(ρ) and separately the empirical margin loss R</a:t>
+            </a:r>
+            <a:r>
+              <a:rPr b="1" lang="en-US" sz="2000" spc="-1" strike="noStrike" baseline="-8000">
+                <a:solidFill>
+                  <a:srgbClr val="a26d6a"/>
+                </a:solidFill>
+                <a:latin typeface="Arial"/>
+                <a:ea typeface="Microsoft YaHei"/>
+              </a:rPr>
+              <a:t>S,ρ</a:t>
+            </a:r>
+            <a:r>
+              <a:rPr b="1" lang="en-US" sz="2000" spc="-1" strike="noStrike">
+                <a:solidFill>
+                  <a:srgbClr val="a26d6a"/>
+                </a:solidFill>
+                <a:latin typeface="Arial"/>
+                <a:ea typeface="Microsoft YaHei"/>
+              </a:rPr>
+              <a:t> since the latter actually determines the difference in estimation between the versions of the classifier. For the experiment the data set is generated, then five different splittings are performed with test size equal to 1/3 of all rows and results are averaged.</a:t>
+            </a:r>
+            <a:endParaRPr b="0" lang="en-GB" sz="2000" spc="-1" strike="noStrike">
+              <a:latin typeface="Arial"/>
+            </a:endParaRPr>
+          </a:p>
+          <a:p>
+            <a:pPr marL="432000" indent="-323280">
+              <a:lnSpc>
+                <a:spcPct val="100000"/>
+              </a:lnSpc>
+              <a:spcBef>
+                <a:spcPts val="1417"/>
+              </a:spcBef>
+              <a:buClr>
+                <a:srgbClr val="000000"/>
+              </a:buClr>
+              <a:buSzPct val="45000"/>
+              <a:buFont typeface="Wingdings" charset="2"/>
+              <a:buChar char=""/>
+            </a:pPr>
+            <a:endParaRPr b="0" lang="en-GB" sz="2000" spc="-1" strike="noStrike">
+              <a:latin typeface="Arial"/>
+            </a:endParaRPr>
+          </a:p>
+          <a:p>
+            <a:pPr marL="432000" indent="-323280">
+              <a:lnSpc>
+                <a:spcPct val="100000"/>
+              </a:lnSpc>
+              <a:spcBef>
+                <a:spcPts val="1417"/>
+              </a:spcBef>
+              <a:buClr>
+                <a:srgbClr val="000000"/>
+              </a:buClr>
+              <a:buSzPct val="45000"/>
+              <a:buFont typeface="Wingdings" charset="2"/>
+              <a:buChar char=""/>
+            </a:pPr>
+            <a:endParaRPr b="0" lang="en-GB" sz="2000" spc="-1" strike="noStrike">
+              <a:latin typeface="Arial"/>
+            </a:endParaRPr>
+          </a:p>
+        </p:txBody>
+      </p:sp>
+    </p:spTree>
+  </p:cSld>
+  <mc:AlternateContent>
+    <mc:Choice Requires="p14">
+      <p:transition spd="slow" p14:dur="2000"/>
+    </mc:Choice>
+    <mc:Fallback>
+      <p:transition spd="slow"/>
+    </mc:Fallback>
+  </mc:AlternateContent>
+</p:sld>
+</file>
+
+<file path=ppt/slides/slide11.xml><?xml version="1.0" encoding="utf-8"?>
+<p:sld xmlns:a="http://schemas.openxmlformats.org/drawingml/2006/main" xmlns:p="http://schemas.openxmlformats.org/presentationml/2006/main" xmlns:r="http://schemas.openxmlformats.org/officeDocument/2006/relationships" xmlns:p14="http://schemas.microsoft.com/office/powerpoint/2010/main" xmlns:p15="http://schemas.microsoft.com/office/powerpoint/2012/main" xmlns:mc="http://schemas.openxmlformats.org/markup-compatibility/2006">
+  <p:cSld>
+    <p:spTree>
+      <p:nvGrpSpPr>
+        <p:cNvPr id="1" name=""/>
+        <p:cNvGrpSpPr/>
+        <p:nvPr/>
+      </p:nvGrpSpPr>
+      <p:grpSpPr>
+        <a:xfrm>
+          <a:off x="0" y="0"/>
+          <a:ext cx="0" cy="0"/>
+          <a:chOff x="0" y="0"/>
+          <a:chExt cx="0" cy="0"/>
+        </a:xfrm>
+      </p:grpSpPr>
+      <p:sp>
+        <p:nvSpPr>
+          <p:cNvPr id="118" name="TextShape 1"/>
+          <p:cNvSpPr txBox="1"/>
+          <p:nvPr/>
+        </p:nvSpPr>
+        <p:spPr>
+          <a:xfrm>
+            <a:off x="504000" y="226080"/>
+            <a:ext cx="9072000" cy="946440"/>
+          </a:xfrm>
+          <a:prstGeom prst="rect">
+            <a:avLst/>
+          </a:prstGeom>
+          <a:noFill/>
+          <a:ln w="0">
+            <a:noFill/>
+          </a:ln>
+        </p:spPr>
+        <p:txBody>
+          <a:bodyPr lIns="0" rIns="0" tIns="0" bIns="0" anchor="ctr">
+            <a:noAutofit/>
+          </a:bodyPr>
+          <a:p>
+            <a:pPr algn="ctr">
+              <a:lnSpc>
+                <a:spcPct val="100000"/>
+              </a:lnSpc>
+            </a:pPr>
+            <a:r>
+              <a:rPr b="0" lang="en-GB" sz="2800" spc="-1" strike="noStrike">
+                <a:solidFill>
+                  <a:srgbClr val="000000"/>
+                </a:solidFill>
+                <a:latin typeface="Arial"/>
+                <a:ea typeface="DejaVu Sans"/>
+              </a:rPr>
+              <a:t>Risk estimation based on the empirical loss function: </a:t>
+            </a:r>
+            <a:r>
+              <a:rPr b="0" lang="en-GB" sz="2800" spc="-1" strike="noStrike">
+                <a:solidFill>
+                  <a:srgbClr val="000000"/>
+                </a:solidFill>
+                <a:latin typeface="Arial"/>
+                <a:ea typeface="DejaVu Sans"/>
+              </a:rPr>
+              <a:t>normally distributed data, 2 features and 3000 samples</a:t>
+            </a:r>
+            <a:endParaRPr b="0" lang="en-GB" sz="2800" spc="-1" strike="noStrike">
+              <a:latin typeface="Arial"/>
+            </a:endParaRPr>
+          </a:p>
+        </p:txBody>
+      </p:sp>
+      <p:pic>
+        <p:nvPicPr>
+          <p:cNvPr id="119" name="" descr=""/>
+          <p:cNvPicPr/>
+          <p:nvPr/>
+        </p:nvPicPr>
+        <p:blipFill>
+          <a:blip r:embed="rId1"/>
+          <a:stretch/>
+        </p:blipFill>
+        <p:spPr>
+          <a:xfrm>
+            <a:off x="1260000" y="1172520"/>
+            <a:ext cx="7560000" cy="2529000"/>
+          </a:xfrm>
+          <a:prstGeom prst="rect">
+            <a:avLst/>
+          </a:prstGeom>
+          <a:ln w="0">
+            <a:noFill/>
+          </a:ln>
+        </p:spPr>
+      </p:pic>
+      <p:pic>
+        <p:nvPicPr>
+          <p:cNvPr id="120" name="" descr=""/>
+          <p:cNvPicPr/>
+          <p:nvPr/>
+        </p:nvPicPr>
+        <p:blipFill>
+          <a:blip r:embed="rId2"/>
+          <a:stretch/>
+        </p:blipFill>
+        <p:spPr>
+          <a:xfrm>
+            <a:off x="2700000" y="3710880"/>
+            <a:ext cx="4598640" cy="609120"/>
+          </a:xfrm>
+          <a:prstGeom prst="rect">
+            <a:avLst/>
+          </a:prstGeom>
+          <a:ln w="0">
+            <a:noFill/>
+          </a:ln>
+        </p:spPr>
+      </p:pic>
+      <p:sp>
+        <p:nvSpPr>
+          <p:cNvPr id="121" name="CustomShape 2"/>
+          <p:cNvSpPr/>
+          <p:nvPr/>
+        </p:nvSpPr>
+        <p:spPr>
+          <a:xfrm>
+            <a:off x="360000" y="4320000"/>
+            <a:ext cx="9539280" cy="1260000"/>
+          </a:xfrm>
+          <a:prstGeom prst="rect">
+            <a:avLst/>
+          </a:prstGeom>
+          <a:noFill/>
+          <a:ln w="0">
+            <a:noFill/>
+          </a:ln>
+        </p:spPr>
+        <p:style>
+          <a:lnRef idx="0"/>
+          <a:fillRef idx="0"/>
+          <a:effectRef idx="0"/>
+          <a:fontRef idx="minor"/>
+        </p:style>
+        <p:txBody>
+          <a:bodyPr lIns="0" rIns="0" tIns="0" bIns="0">
+            <a:noAutofit/>
+          </a:bodyPr>
+          <a:p>
+            <a:pPr marL="432000" indent="-323280">
+              <a:lnSpc>
+                <a:spcPct val="100000"/>
+              </a:lnSpc>
+              <a:spcBef>
+                <a:spcPts val="1417"/>
+              </a:spcBef>
+              <a:buClr>
+                <a:srgbClr val="000000"/>
+              </a:buClr>
+              <a:buSzPct val="45000"/>
+              <a:buFont typeface="Wingdings" charset="2"/>
+              <a:buChar char=""/>
+            </a:pPr>
+            <a:r>
+              <a:rPr b="1" lang="en-US" sz="1600" spc="-1" strike="noStrike">
+                <a:solidFill>
+                  <a:srgbClr val="a26d6a"/>
+                </a:solidFill>
+                <a:latin typeface="Arial"/>
+                <a:ea typeface="Microsoft YaHei"/>
+              </a:rPr>
+              <a:t>Generalisation error estimations U(ρ) on the left-hand graph for AdaBoost and the linear classifier are much larger than their empirical errors: U(ρ) has minimum about 0.6, while the empirical error of the classifiers is 0.0048 and 0.0034 on average. Also, the linear algorithm gives a consistently higher value for empirical margin loss as can be observed from the right-hand graph.</a:t>
+            </a:r>
+            <a:endParaRPr b="0" lang="en-GB" sz="1600" spc="-1" strike="noStrike">
+              <a:latin typeface="Arial"/>
+            </a:endParaRPr>
+          </a:p>
+          <a:p>
+            <a:pPr marL="432000" indent="-323280">
+              <a:lnSpc>
+                <a:spcPct val="100000"/>
+              </a:lnSpc>
+              <a:spcBef>
+                <a:spcPts val="1417"/>
+              </a:spcBef>
+              <a:buClr>
+                <a:srgbClr val="000000"/>
+              </a:buClr>
+              <a:buSzPct val="45000"/>
+              <a:buFont typeface="Wingdings" charset="2"/>
+              <a:buChar char=""/>
+            </a:pPr>
+            <a:endParaRPr b="0" lang="en-GB" sz="1600" spc="-1" strike="noStrike">
+              <a:latin typeface="Arial"/>
+            </a:endParaRPr>
+          </a:p>
+          <a:p>
+            <a:pPr marL="432000" indent="-323280">
+              <a:lnSpc>
+                <a:spcPct val="100000"/>
+              </a:lnSpc>
+              <a:spcBef>
+                <a:spcPts val="1417"/>
+              </a:spcBef>
+              <a:buClr>
+                <a:srgbClr val="000000"/>
+              </a:buClr>
+              <a:buSzPct val="45000"/>
+              <a:buFont typeface="Wingdings" charset="2"/>
+              <a:buChar char=""/>
+            </a:pPr>
+            <a:endParaRPr b="0" lang="en-GB" sz="1600" spc="-1" strike="noStrike">
+              <a:latin typeface="Arial"/>
+            </a:endParaRPr>
+          </a:p>
+        </p:txBody>
+      </p:sp>
+    </p:spTree>
+  </p:cSld>
+  <mc:AlternateContent>
+    <mc:Choice Requires="p14">
+      <p:transition spd="slow" p14:dur="2000"/>
+    </mc:Choice>
+    <mc:Fallback>
+      <p:transition spd="slow"/>
+    </mc:Fallback>
+  </mc:AlternateContent>
+</p:sld>
+</file>
+
+<file path=ppt/slides/slide12.xml><?xml version="1.0" encoding="utf-8"?>
+<p:sld xmlns:a="http://schemas.openxmlformats.org/drawingml/2006/main" xmlns:p="http://schemas.openxmlformats.org/presentationml/2006/main" xmlns:r="http://schemas.openxmlformats.org/officeDocument/2006/relationships" xmlns:p14="http://schemas.microsoft.com/office/powerpoint/2010/main" xmlns:p15="http://schemas.microsoft.com/office/powerpoint/2012/main" xmlns:mc="http://schemas.openxmlformats.org/markup-compatibility/2006">
+  <p:cSld>
+    <p:spTree>
+      <p:nvGrpSpPr>
+        <p:cNvPr id="1" name=""/>
+        <p:cNvGrpSpPr/>
+        <p:nvPr/>
+      </p:nvGrpSpPr>
+      <p:grpSpPr>
+        <a:xfrm>
+          <a:off x="0" y="0"/>
+          <a:ext cx="0" cy="0"/>
+          <a:chOff x="0" y="0"/>
+          <a:chExt cx="0" cy="0"/>
+        </a:xfrm>
+      </p:grpSpPr>
+      <p:sp>
+        <p:nvSpPr>
+          <p:cNvPr id="122" name="TextShape 1"/>
+          <p:cNvSpPr txBox="1"/>
+          <p:nvPr/>
+        </p:nvSpPr>
+        <p:spPr>
+          <a:xfrm>
+            <a:off x="180000" y="104760"/>
+            <a:ext cx="9540000" cy="1189440"/>
+          </a:xfrm>
+          <a:prstGeom prst="rect">
+            <a:avLst/>
+          </a:prstGeom>
+          <a:noFill/>
+          <a:ln w="0">
+            <a:noFill/>
+          </a:ln>
+        </p:spPr>
+        <p:txBody>
+          <a:bodyPr lIns="0" rIns="0" tIns="0" bIns="0" anchor="ctr">
+            <a:noAutofit/>
+          </a:bodyPr>
+          <a:p>
+            <a:pPr algn="ctr">
+              <a:lnSpc>
+                <a:spcPct val="100000"/>
+              </a:lnSpc>
+            </a:pPr>
+            <a:r>
+              <a:rPr b="1" lang="en-GB" sz="2400" spc="-1" strike="noStrike">
+                <a:solidFill>
+                  <a:srgbClr val="a26d6a"/>
+                </a:solidFill>
+                <a:latin typeface="Arial"/>
+                <a:ea typeface="DejaVu Sans"/>
+              </a:rPr>
+              <a:t>Risk estimation based on the empirical loss function: normally distributed data, 2 features and 10000 samples</a:t>
+            </a:r>
+            <a:endParaRPr b="1" lang="en-GB" sz="2400" spc="-1" strike="noStrike">
+              <a:solidFill>
+                <a:srgbClr val="a26d6a"/>
+              </a:solidFill>
+              <a:latin typeface="Arial"/>
+            </a:endParaRPr>
+          </a:p>
+        </p:txBody>
+      </p:sp>
+      <p:pic>
+        <p:nvPicPr>
+          <p:cNvPr id="123" name="" descr=""/>
+          <p:cNvPicPr/>
+          <p:nvPr/>
+        </p:nvPicPr>
+        <p:blipFill>
+          <a:blip r:embed="rId1"/>
+          <a:stretch/>
+        </p:blipFill>
+        <p:spPr>
+          <a:xfrm>
+            <a:off x="1260000" y="1172520"/>
+            <a:ext cx="7492320" cy="2466000"/>
+          </a:xfrm>
+          <a:prstGeom prst="rect">
+            <a:avLst/>
+          </a:prstGeom>
+          <a:ln w="0">
+            <a:noFill/>
+          </a:ln>
+        </p:spPr>
+      </p:pic>
+      <p:pic>
+        <p:nvPicPr>
+          <p:cNvPr id="124" name="" descr=""/>
+          <p:cNvPicPr/>
+          <p:nvPr/>
+        </p:nvPicPr>
+        <p:blipFill>
+          <a:blip r:embed="rId2"/>
+          <a:stretch/>
+        </p:blipFill>
+        <p:spPr>
+          <a:xfrm>
+            <a:off x="2700000" y="3638520"/>
+            <a:ext cx="4572000" cy="597600"/>
+          </a:xfrm>
+          <a:prstGeom prst="rect">
+            <a:avLst/>
+          </a:prstGeom>
+          <a:ln w="0">
+            <a:noFill/>
+          </a:ln>
+        </p:spPr>
+      </p:pic>
+      <p:sp>
+        <p:nvSpPr>
+          <p:cNvPr id="125" name="CustomShape 2"/>
+          <p:cNvSpPr/>
+          <p:nvPr/>
+        </p:nvSpPr>
+        <p:spPr>
+          <a:xfrm>
+            <a:off x="360000" y="4500000"/>
+            <a:ext cx="9539280" cy="1080000"/>
+          </a:xfrm>
+          <a:prstGeom prst="rect">
+            <a:avLst/>
+          </a:prstGeom>
+          <a:noFill/>
+          <a:ln w="0">
+            <a:noFill/>
+          </a:ln>
+        </p:spPr>
+        <p:style>
+          <a:lnRef idx="0"/>
+          <a:fillRef idx="0"/>
+          <a:effectRef idx="0"/>
+          <a:fontRef idx="minor"/>
+        </p:style>
+        <p:txBody>
+          <a:bodyPr lIns="0" rIns="0" tIns="0" bIns="0">
+            <a:noAutofit/>
+          </a:bodyPr>
+          <a:p>
+            <a:pPr marL="432000" indent="-323280">
+              <a:lnSpc>
+                <a:spcPct val="100000"/>
+              </a:lnSpc>
+              <a:spcBef>
+                <a:spcPts val="1417"/>
+              </a:spcBef>
+              <a:buClr>
+                <a:srgbClr val="000000"/>
+              </a:buClr>
+              <a:buSzPct val="45000"/>
+              <a:buFont typeface="Wingdings" charset="2"/>
+              <a:buChar char=""/>
+            </a:pPr>
+            <a:r>
+              <a:rPr b="1" lang="en-US" sz="1600" spc="-1" strike="noStrike">
+                <a:solidFill>
+                  <a:srgbClr val="333333"/>
+                </a:solidFill>
+                <a:latin typeface="Arial"/>
+                <a:ea typeface="Microsoft YaHei"/>
+              </a:rPr>
+              <a:t>The generalisation error estimate has decreased to approximately a value 0.4 but is still several times larger than the empirical error from the experiments. Thus, it can be assumed that as the number of samples in the training set increases, the estimate of generalisation error given by U(ρ) will be more accurate.</a:t>
+            </a:r>
+            <a:endParaRPr b="0" lang="en-GB" sz="1600" spc="-1" strike="noStrike">
+              <a:solidFill>
+                <a:srgbClr val="333333"/>
+              </a:solidFill>
+              <a:latin typeface="Arial"/>
+            </a:endParaRPr>
+          </a:p>
+          <a:p>
+            <a:pPr marL="432000" indent="-323280">
+              <a:lnSpc>
+                <a:spcPct val="100000"/>
+              </a:lnSpc>
+              <a:spcBef>
+                <a:spcPts val="1417"/>
+              </a:spcBef>
+              <a:buClr>
+                <a:srgbClr val="000000"/>
+              </a:buClr>
+              <a:buSzPct val="45000"/>
+              <a:buFont typeface="Wingdings" charset="2"/>
+              <a:buChar char=""/>
+            </a:pPr>
+            <a:endParaRPr b="0" lang="en-GB" sz="1600" spc="-1" strike="noStrike">
+              <a:solidFill>
+                <a:srgbClr val="333333"/>
+              </a:solidFill>
+              <a:latin typeface="Arial"/>
+            </a:endParaRPr>
+          </a:p>
+          <a:p>
+            <a:pPr marL="432000" indent="-323280">
+              <a:lnSpc>
+                <a:spcPct val="100000"/>
+              </a:lnSpc>
+              <a:spcBef>
+                <a:spcPts val="1417"/>
+              </a:spcBef>
+              <a:buClr>
+                <a:srgbClr val="000000"/>
+              </a:buClr>
+              <a:buSzPct val="45000"/>
+              <a:buFont typeface="Wingdings" charset="2"/>
+              <a:buChar char=""/>
+            </a:pPr>
+            <a:endParaRPr b="0" lang="en-GB" sz="1600" spc="-1" strike="noStrike">
+              <a:solidFill>
+                <a:srgbClr val="333333"/>
+              </a:solidFill>
+              <a:latin typeface="Arial"/>
+            </a:endParaRPr>
+          </a:p>
+        </p:txBody>
+      </p:sp>
+    </p:spTree>
+  </p:cSld>
+  <mc:AlternateContent>
+    <mc:Choice Requires="p14">
+      <p:transition spd="slow" p14:dur="2000"/>
+    </mc:Choice>
+    <mc:Fallback>
+      <p:transition spd="slow"/>
+    </mc:Fallback>
+  </mc:AlternateContent>
+</p:sld>
+</file>
+
+<file path=ppt/slides/slide13.xml><?xml version="1.0" encoding="utf-8"?>
+<p:sld xmlns:a="http://schemas.openxmlformats.org/drawingml/2006/main" xmlns:p="http://schemas.openxmlformats.org/presentationml/2006/main" xmlns:r="http://schemas.openxmlformats.org/officeDocument/2006/relationships" xmlns:p14="http://schemas.microsoft.com/office/powerpoint/2010/main" xmlns:p15="http://schemas.microsoft.com/office/powerpoint/2012/main" xmlns:mc="http://schemas.openxmlformats.org/markup-compatibility/2006">
+  <p:cSld>
+    <p:spTree>
+      <p:nvGrpSpPr>
+        <p:cNvPr id="1" name=""/>
+        <p:cNvGrpSpPr/>
+        <p:nvPr/>
+      </p:nvGrpSpPr>
+      <p:grpSpPr>
+        <a:xfrm>
+          <a:off x="0" y="0"/>
+          <a:ext cx="0" cy="0"/>
+          <a:chOff x="0" y="0"/>
+          <a:chExt cx="0" cy="0"/>
+        </a:xfrm>
+      </p:grpSpPr>
+      <p:sp>
+        <p:nvSpPr>
+          <p:cNvPr id="126" name="TextShape 1"/>
+          <p:cNvSpPr txBox="1"/>
+          <p:nvPr/>
+        </p:nvSpPr>
+        <p:spPr>
+          <a:xfrm>
+            <a:off x="504000" y="226080"/>
+            <a:ext cx="9072000" cy="493920"/>
+          </a:xfrm>
+          <a:prstGeom prst="rect">
+            <a:avLst/>
+          </a:prstGeom>
+          <a:noFill/>
+          <a:ln w="0">
+            <a:noFill/>
+          </a:ln>
+        </p:spPr>
+        <p:txBody>
+          <a:bodyPr lIns="0" rIns="0" tIns="0" bIns="0" anchor="ctr">
+            <a:noAutofit/>
+          </a:bodyPr>
+          <a:p>
+            <a:pPr algn="ctr">
+              <a:lnSpc>
+                <a:spcPct val="100000"/>
+              </a:lnSpc>
+            </a:pPr>
+            <a:r>
+              <a:rPr b="1" lang="en-GB" sz="2800" spc="-1" strike="noStrike">
+                <a:solidFill>
+                  <a:srgbClr val="a26d6a"/>
+                </a:solidFill>
+                <a:latin typeface="Arial"/>
+                <a:ea typeface="DejaVu Sans"/>
+              </a:rPr>
+              <a:t>Experiments on real data sets</a:t>
+            </a:r>
+            <a:endParaRPr b="1" lang="en-GB" sz="2800" spc="-1" strike="noStrike">
+              <a:solidFill>
+                <a:srgbClr val="a26d6a"/>
+              </a:solidFill>
+              <a:latin typeface="Arial"/>
+            </a:endParaRPr>
+          </a:p>
+        </p:txBody>
+      </p:sp>
+      <p:sp>
+        <p:nvSpPr>
+          <p:cNvPr id="127" name="CustomShape 2"/>
+          <p:cNvSpPr/>
+          <p:nvPr/>
+        </p:nvSpPr>
+        <p:spPr>
+          <a:xfrm>
+            <a:off x="360720" y="4680000"/>
+            <a:ext cx="9539280" cy="720000"/>
+          </a:xfrm>
+          <a:prstGeom prst="rect">
+            <a:avLst/>
+          </a:prstGeom>
+          <a:noFill/>
+          <a:ln w="0">
+            <a:noFill/>
+          </a:ln>
+        </p:spPr>
+        <p:style>
+          <a:lnRef idx="0"/>
+          <a:fillRef idx="0"/>
+          <a:effectRef idx="0"/>
+          <a:fontRef idx="minor"/>
+        </p:style>
+        <p:txBody>
+          <a:bodyPr lIns="0" rIns="0" tIns="0" bIns="0">
+            <a:noAutofit/>
+          </a:bodyPr>
+          <a:p>
+            <a:pPr marL="432000" indent="-323280">
+              <a:lnSpc>
+                <a:spcPct val="100000"/>
+              </a:lnSpc>
+              <a:spcBef>
+                <a:spcPts val="1417"/>
+              </a:spcBef>
+              <a:buClr>
+                <a:srgbClr val="000000"/>
+              </a:buClr>
+              <a:buSzPct val="45000"/>
+              <a:buFont typeface="Wingdings" charset="2"/>
+              <a:buChar char=""/>
+            </a:pPr>
+            <a:r>
+              <a:rPr b="1" lang="en-US" sz="1600" spc="-1" strike="noStrike">
+                <a:solidFill>
+                  <a:srgbClr val="333333"/>
+                </a:solidFill>
+                <a:latin typeface="Arial"/>
+                <a:ea typeface="Microsoft YaHei"/>
+              </a:rPr>
+              <a:t>As the left-hand graphs shows, the generalisation error estimation curve does not even reach a value of 1 and thus this estimation U(ρ) is not suitable for practical application.</a:t>
+            </a:r>
+            <a:endParaRPr b="0" lang="en-GB" sz="1600" spc="-1" strike="noStrike">
+              <a:solidFill>
+                <a:srgbClr val="333333"/>
+              </a:solidFill>
+              <a:latin typeface="Arial"/>
+            </a:endParaRPr>
+          </a:p>
+          <a:p>
+            <a:pPr marL="432000" indent="-323280">
+              <a:lnSpc>
+                <a:spcPct val="100000"/>
+              </a:lnSpc>
+              <a:spcBef>
+                <a:spcPts val="1417"/>
+              </a:spcBef>
+              <a:buClr>
+                <a:srgbClr val="000000"/>
+              </a:buClr>
+              <a:buSzPct val="45000"/>
+              <a:buFont typeface="Wingdings" charset="2"/>
+              <a:buChar char=""/>
+            </a:pPr>
+            <a:endParaRPr b="0" lang="en-GB" sz="1600" spc="-1" strike="noStrike">
+              <a:solidFill>
+                <a:srgbClr val="333333"/>
+              </a:solidFill>
+              <a:latin typeface="Arial"/>
+            </a:endParaRPr>
+          </a:p>
+          <a:p>
+            <a:pPr marL="432000" indent="-323280">
+              <a:lnSpc>
+                <a:spcPct val="100000"/>
+              </a:lnSpc>
+              <a:spcBef>
+                <a:spcPts val="1417"/>
+              </a:spcBef>
+              <a:buClr>
+                <a:srgbClr val="000000"/>
+              </a:buClr>
+              <a:buSzPct val="45000"/>
+              <a:buFont typeface="Wingdings" charset="2"/>
+              <a:buChar char=""/>
+            </a:pPr>
+            <a:endParaRPr b="0" lang="en-GB" sz="1600" spc="-1" strike="noStrike">
+              <a:solidFill>
+                <a:srgbClr val="333333"/>
+              </a:solidFill>
+              <a:latin typeface="Arial"/>
+            </a:endParaRPr>
+          </a:p>
+        </p:txBody>
+      </p:sp>
+      <p:sp>
+        <p:nvSpPr>
+          <p:cNvPr id="128" name="CustomShape 3"/>
+          <p:cNvSpPr/>
+          <p:nvPr/>
+        </p:nvSpPr>
+        <p:spPr>
+          <a:xfrm>
+            <a:off x="360720" y="900000"/>
+            <a:ext cx="3059280" cy="360000"/>
+          </a:xfrm>
+          <a:prstGeom prst="rect">
+            <a:avLst/>
+          </a:prstGeom>
+          <a:noFill/>
+          <a:ln w="0">
+            <a:noFill/>
+          </a:ln>
+        </p:spPr>
+        <p:style>
+          <a:lnRef idx="0"/>
+          <a:fillRef idx="0"/>
+          <a:effectRef idx="0"/>
+          <a:fontRef idx="minor"/>
+        </p:style>
+        <p:txBody>
+          <a:bodyPr lIns="0" rIns="0" tIns="0" bIns="0">
+            <a:noAutofit/>
+          </a:bodyPr>
+          <a:p>
+            <a:pPr marL="432000" indent="-323280">
+              <a:lnSpc>
+                <a:spcPct val="100000"/>
+              </a:lnSpc>
+              <a:spcBef>
+                <a:spcPts val="1417"/>
+              </a:spcBef>
+              <a:buClr>
+                <a:srgbClr val="000000"/>
+              </a:buClr>
+              <a:buSzPct val="45000"/>
+              <a:buFont typeface="Wingdings" charset="2"/>
+              <a:buChar char=""/>
+            </a:pPr>
+            <a:r>
+              <a:rPr b="1" lang="en-US" sz="1600" spc="-1" strike="noStrike">
+                <a:solidFill>
+                  <a:srgbClr val="333333"/>
+                </a:solidFill>
+                <a:latin typeface="Arial"/>
+                <a:ea typeface="Microsoft YaHei"/>
+              </a:rPr>
+              <a:t>Ionosphere data set:</a:t>
+            </a:r>
+            <a:endParaRPr b="0" lang="en-GB" sz="1600" spc="-1" strike="noStrike">
+              <a:solidFill>
+                <a:srgbClr val="333333"/>
+              </a:solidFill>
+              <a:latin typeface="Arial"/>
+            </a:endParaRPr>
+          </a:p>
+          <a:p>
+            <a:pPr marL="432000" indent="-323280">
+              <a:lnSpc>
+                <a:spcPct val="100000"/>
+              </a:lnSpc>
+              <a:spcBef>
+                <a:spcPts val="1417"/>
+              </a:spcBef>
+              <a:buClr>
+                <a:srgbClr val="000000"/>
+              </a:buClr>
+              <a:buSzPct val="45000"/>
+              <a:buFont typeface="Wingdings" charset="2"/>
+              <a:buChar char=""/>
+            </a:pPr>
+            <a:endParaRPr b="0" lang="en-GB" sz="1600" spc="-1" strike="noStrike">
+              <a:solidFill>
+                <a:srgbClr val="333333"/>
+              </a:solidFill>
+              <a:latin typeface="Arial"/>
+            </a:endParaRPr>
+          </a:p>
+          <a:p>
+            <a:pPr marL="432000" indent="-323280">
+              <a:lnSpc>
+                <a:spcPct val="100000"/>
+              </a:lnSpc>
+              <a:spcBef>
+                <a:spcPts val="1417"/>
+              </a:spcBef>
+              <a:buClr>
+                <a:srgbClr val="000000"/>
+              </a:buClr>
+              <a:buSzPct val="45000"/>
+              <a:buFont typeface="Wingdings" charset="2"/>
+              <a:buChar char=""/>
+            </a:pPr>
+            <a:endParaRPr b="0" lang="en-GB" sz="1600" spc="-1" strike="noStrike">
+              <a:solidFill>
+                <a:srgbClr val="333333"/>
+              </a:solidFill>
+              <a:latin typeface="Arial"/>
+            </a:endParaRPr>
+          </a:p>
+        </p:txBody>
+      </p:sp>
+      <p:pic>
+        <p:nvPicPr>
+          <p:cNvPr id="129" name="" descr=""/>
+          <p:cNvPicPr/>
+          <p:nvPr/>
+        </p:nvPicPr>
+        <p:blipFill>
+          <a:blip r:embed="rId1"/>
+          <a:stretch/>
+        </p:blipFill>
+        <p:spPr>
+          <a:xfrm>
+            <a:off x="3600000" y="832680"/>
+            <a:ext cx="5394960" cy="1687320"/>
+          </a:xfrm>
+          <a:prstGeom prst="rect">
+            <a:avLst/>
+          </a:prstGeom>
+          <a:ln w="0">
+            <a:noFill/>
+          </a:ln>
+        </p:spPr>
+      </p:pic>
+      <p:sp>
+        <p:nvSpPr>
+          <p:cNvPr id="130" name="CustomShape 4"/>
+          <p:cNvSpPr/>
+          <p:nvPr/>
+        </p:nvSpPr>
+        <p:spPr>
+          <a:xfrm>
+            <a:off x="360720" y="2700000"/>
+            <a:ext cx="3059280" cy="720000"/>
+          </a:xfrm>
+          <a:prstGeom prst="rect">
+            <a:avLst/>
+          </a:prstGeom>
+          <a:noFill/>
+          <a:ln w="0">
+            <a:noFill/>
+          </a:ln>
+        </p:spPr>
+        <p:style>
+          <a:lnRef idx="0"/>
+          <a:fillRef idx="0"/>
+          <a:effectRef idx="0"/>
+          <a:fontRef idx="minor"/>
+        </p:style>
+        <p:txBody>
+          <a:bodyPr lIns="0" rIns="0" tIns="0" bIns="0">
+            <a:noAutofit/>
+          </a:bodyPr>
+          <a:p>
+            <a:pPr marL="432000" indent="-323280">
+              <a:lnSpc>
+                <a:spcPct val="100000"/>
+              </a:lnSpc>
+              <a:spcBef>
+                <a:spcPts val="1417"/>
+              </a:spcBef>
+              <a:buClr>
+                <a:srgbClr val="000000"/>
+              </a:buClr>
+              <a:buSzPct val="45000"/>
+              <a:buFont typeface="Wingdings" charset="2"/>
+              <a:buChar char=""/>
+            </a:pPr>
+            <a:r>
+              <a:rPr b="1" lang="en-US" sz="1600" spc="-1" strike="noStrike">
+                <a:solidFill>
+                  <a:srgbClr val="333333"/>
+                </a:solidFill>
+                <a:latin typeface="Arial"/>
+                <a:ea typeface="Microsoft YaHei"/>
+              </a:rPr>
+              <a:t>Breast cancer data set:</a:t>
+            </a:r>
+            <a:endParaRPr b="0" lang="en-GB" sz="1600" spc="-1" strike="noStrike">
+              <a:solidFill>
+                <a:srgbClr val="333333"/>
+              </a:solidFill>
+              <a:latin typeface="Arial"/>
+            </a:endParaRPr>
+          </a:p>
+          <a:p>
+            <a:pPr marL="432000" indent="-323280">
+              <a:lnSpc>
+                <a:spcPct val="100000"/>
+              </a:lnSpc>
+              <a:spcBef>
+                <a:spcPts val="1417"/>
+              </a:spcBef>
+              <a:buClr>
+                <a:srgbClr val="000000"/>
+              </a:buClr>
+              <a:buSzPct val="45000"/>
+              <a:buFont typeface="Wingdings" charset="2"/>
+              <a:buChar char=""/>
+            </a:pPr>
+            <a:endParaRPr b="0" lang="en-GB" sz="1600" spc="-1" strike="noStrike">
+              <a:solidFill>
+                <a:srgbClr val="333333"/>
+              </a:solidFill>
+              <a:latin typeface="Arial"/>
+            </a:endParaRPr>
+          </a:p>
+          <a:p>
+            <a:pPr marL="432000" indent="-323280">
+              <a:lnSpc>
+                <a:spcPct val="100000"/>
+              </a:lnSpc>
+              <a:spcBef>
+                <a:spcPts val="1417"/>
+              </a:spcBef>
+              <a:buClr>
+                <a:srgbClr val="000000"/>
+              </a:buClr>
+              <a:buSzPct val="45000"/>
+              <a:buFont typeface="Wingdings" charset="2"/>
+              <a:buChar char=""/>
+            </a:pPr>
+            <a:endParaRPr b="0" lang="en-GB" sz="1600" spc="-1" strike="noStrike">
+              <a:solidFill>
+                <a:srgbClr val="333333"/>
+              </a:solidFill>
+              <a:latin typeface="Arial"/>
+            </a:endParaRPr>
+          </a:p>
+        </p:txBody>
+      </p:sp>
+      <p:pic>
+        <p:nvPicPr>
+          <p:cNvPr id="131" name="" descr=""/>
+          <p:cNvPicPr/>
+          <p:nvPr/>
+        </p:nvPicPr>
+        <p:blipFill>
+          <a:blip r:embed="rId2"/>
+          <a:stretch/>
+        </p:blipFill>
+        <p:spPr>
+          <a:xfrm>
+            <a:off x="3600000" y="2728440"/>
+            <a:ext cx="5400000" cy="1662480"/>
+          </a:xfrm>
+          <a:prstGeom prst="rect">
+            <a:avLst/>
+          </a:prstGeom>
+          <a:ln w="0">
+            <a:noFill/>
+          </a:ln>
+        </p:spPr>
+      </p:pic>
+    </p:spTree>
+  </p:cSld>
+  <mc:AlternateContent>
+    <mc:Choice Requires="p14">
+      <p:transition spd="slow" p14:dur="2000"/>
+    </mc:Choice>
+    <mc:Fallback>
+      <p:transition spd="slow"/>
+    </mc:Fallback>
+  </mc:AlternateContent>
+</p:sld>
+</file>
+
+<file path=ppt/slides/slide14.xml><?xml version="1.0" encoding="utf-8"?>
+<p:sld xmlns:a="http://schemas.openxmlformats.org/drawingml/2006/main" xmlns:p="http://schemas.openxmlformats.org/presentationml/2006/main" xmlns:r="http://schemas.openxmlformats.org/officeDocument/2006/relationships" xmlns:p14="http://schemas.microsoft.com/office/powerpoint/2010/main" xmlns:p15="http://schemas.microsoft.com/office/powerpoint/2012/main" xmlns:mc="http://schemas.openxmlformats.org/markup-compatibility/2006">
+  <p:cSld>
+    <p:spTree>
+      <p:nvGrpSpPr>
+        <p:cNvPr id="1" name=""/>
+        <p:cNvGrpSpPr/>
+        <p:nvPr/>
+      </p:nvGrpSpPr>
+      <p:grpSpPr>
+        <a:xfrm>
+          <a:off x="0" y="0"/>
+          <a:ext cx="0" cy="0"/>
+          <a:chOff x="0" y="0"/>
+          <a:chExt cx="0" cy="0"/>
+        </a:xfrm>
+      </p:grpSpPr>
+      <p:sp>
+        <p:nvSpPr>
+          <p:cNvPr id="132" name="TextShape 1"/>
+          <p:cNvSpPr txBox="1"/>
+          <p:nvPr/>
+        </p:nvSpPr>
+        <p:spPr>
+          <a:xfrm>
+            <a:off x="504000" y="226080"/>
+            <a:ext cx="9072000" cy="946440"/>
+          </a:xfrm>
+          <a:prstGeom prst="rect">
+            <a:avLst/>
+          </a:prstGeom>
+          <a:noFill/>
+          <a:ln w="0">
+            <a:noFill/>
+          </a:ln>
+        </p:spPr>
+        <p:txBody>
+          <a:bodyPr lIns="0" rIns="0" tIns="0" bIns="0" anchor="ctr">
+            <a:noAutofit/>
+          </a:bodyPr>
+          <a:p>
+            <a:pPr algn="ctr">
+              <a:lnSpc>
+                <a:spcPct val="100000"/>
+              </a:lnSpc>
+            </a:pPr>
+            <a:r>
+              <a:rPr b="1" lang="en-GB" sz="2800" spc="-1" strike="noStrike">
+                <a:solidFill>
+                  <a:srgbClr val="a26d6a"/>
+                </a:solidFill>
+                <a:latin typeface="Arial"/>
+                <a:ea typeface="DejaVu Sans"/>
+              </a:rPr>
+              <a:t>Conclusions</a:t>
+            </a:r>
+            <a:endParaRPr b="1" lang="en-GB" sz="2800" spc="-1" strike="noStrike">
+              <a:solidFill>
+                <a:srgbClr val="a26d6a"/>
+              </a:solidFill>
+              <a:latin typeface="Arial"/>
+            </a:endParaRPr>
+          </a:p>
+        </p:txBody>
+      </p:sp>
+      <p:sp>
+        <p:nvSpPr>
+          <p:cNvPr id="133" name="TextShape 2"/>
+          <p:cNvSpPr txBox="1"/>
+          <p:nvPr/>
+        </p:nvSpPr>
+        <p:spPr>
+          <a:xfrm>
+            <a:off x="504000" y="1146600"/>
+            <a:ext cx="9072000" cy="833400"/>
+          </a:xfrm>
+          <a:prstGeom prst="rect">
+            <a:avLst/>
+          </a:prstGeom>
+          <a:noFill/>
+          <a:ln w="0">
+            <a:noFill/>
+          </a:ln>
+        </p:spPr>
+        <p:txBody>
+          <a:bodyPr lIns="0" rIns="0" tIns="0" bIns="0">
+            <a:normAutofit/>
+          </a:bodyPr>
+          <a:p>
+            <a:pPr marL="432000" indent="-324000">
+              <a:spcBef>
+                <a:spcPts val="1417"/>
+              </a:spcBef>
+              <a:buClr>
+                <a:srgbClr val="000000"/>
+              </a:buClr>
+              <a:buSzPct val="45000"/>
+              <a:buFont typeface="Wingdings" charset="2"/>
+              <a:buChar char=""/>
+            </a:pPr>
+            <a:r>
+              <a:rPr b="0" lang="en-GB" sz="2400" spc="-1" strike="noStrike">
+                <a:solidFill>
+                  <a:srgbClr val="333333"/>
+                </a:solidFill>
+                <a:latin typeface="Arial"/>
+              </a:rPr>
+              <a:t>Although AdaBoost has a lower L1-margin, it exhibits mostly better empirical error on synthetic and real data sets.</a:t>
+            </a:r>
+            <a:endParaRPr b="0" lang="en-GB" sz="2400" spc="-1" strike="noStrike">
+              <a:solidFill>
+                <a:srgbClr val="333333"/>
+              </a:solidFill>
+              <a:latin typeface="Arial"/>
+            </a:endParaRPr>
+          </a:p>
+        </p:txBody>
+      </p:sp>
+      <p:sp>
+        <p:nvSpPr>
+          <p:cNvPr id="134" name="TextShape 3"/>
+          <p:cNvSpPr txBox="1"/>
+          <p:nvPr/>
+        </p:nvSpPr>
+        <p:spPr>
+          <a:xfrm>
+            <a:off x="504000" y="2031480"/>
+            <a:ext cx="9072000" cy="1208520"/>
+          </a:xfrm>
+          <a:prstGeom prst="rect">
+            <a:avLst/>
+          </a:prstGeom>
+          <a:noFill/>
+          <a:ln w="0">
+            <a:noFill/>
+          </a:ln>
+        </p:spPr>
+        <p:txBody>
+          <a:bodyPr lIns="0" rIns="0" tIns="0" bIns="0">
+            <a:normAutofit/>
+          </a:bodyPr>
+          <a:p>
+            <a:pPr marL="432000" indent="-324000">
+              <a:spcBef>
+                <a:spcPts val="1417"/>
+              </a:spcBef>
+              <a:buClr>
+                <a:srgbClr val="000000"/>
+              </a:buClr>
+              <a:buSzPct val="45000"/>
+              <a:buFont typeface="Wingdings" charset="2"/>
+              <a:buChar char=""/>
+            </a:pPr>
+            <a:r>
+              <a:rPr b="0" lang="en-GB" sz="2400" spc="-1" strike="noStrike">
+                <a:solidFill>
+                  <a:srgbClr val="333333"/>
+                </a:solidFill>
+                <a:latin typeface="Arial"/>
+              </a:rPr>
+              <a:t>All experiments show that the minimum of U(ρ) is several time larger than the empirical error of both classi_x001c_ers, which makes this approach to error estimation practically inapplicable.</a:t>
+            </a:r>
+            <a:endParaRPr b="0" lang="en-GB" sz="2400" spc="-1" strike="noStrike">
+              <a:solidFill>
+                <a:srgbClr val="333333"/>
+              </a:solidFill>
+              <a:latin typeface="Arial"/>
+            </a:endParaRPr>
+          </a:p>
+        </p:txBody>
+      </p:sp>
+      <p:sp>
+        <p:nvSpPr>
+          <p:cNvPr id="135" name="TextShape 4"/>
+          <p:cNvSpPr txBox="1"/>
+          <p:nvPr/>
+        </p:nvSpPr>
+        <p:spPr>
+          <a:xfrm>
+            <a:off x="468000" y="3240000"/>
+            <a:ext cx="9072000" cy="1928520"/>
+          </a:xfrm>
+          <a:prstGeom prst="rect">
+            <a:avLst/>
+          </a:prstGeom>
+          <a:noFill/>
+          <a:ln w="0">
+            <a:noFill/>
+          </a:ln>
+        </p:spPr>
+        <p:txBody>
+          <a:bodyPr lIns="0" rIns="0" tIns="0" bIns="0">
+            <a:normAutofit fontScale="91000"/>
+          </a:bodyPr>
+          <a:p>
+            <a:pPr marL="432000" indent="-324000">
+              <a:spcBef>
+                <a:spcPts val="1417"/>
+              </a:spcBef>
+              <a:buClr>
+                <a:srgbClr val="000000"/>
+              </a:buClr>
+              <a:buSzPct val="45000"/>
+              <a:buFont typeface="Wingdings" charset="2"/>
+              <a:buChar char=""/>
+            </a:pPr>
+            <a:r>
+              <a:rPr b="0" lang="en-GB" sz="2400" spc="-1" strike="noStrike">
+                <a:solidFill>
+                  <a:srgbClr val="333333"/>
+                </a:solidFill>
+                <a:latin typeface="Arial"/>
+              </a:rPr>
+              <a:t>Along with this, U(ρ) and empirical margin loss values for the classifier versions correlate with the empirical errors for them in the experiments: AdaBoost has a smaller U(ρ)/empirical margin loss and at the same time gives a smaller error in the experiments. This fact supports the hypothesis that it is possible to qualitatively estimate the classifier using the formula U(ρ).</a:t>
+            </a:r>
+            <a:endParaRPr b="0" lang="en-GB" sz="2400" spc="-1" strike="noStrike">
+              <a:solidFill>
+                <a:srgbClr val="333333"/>
+              </a:solidFill>
+              <a:latin typeface="Arial"/>
+            </a:endParaRPr>
+          </a:p>
+        </p:txBody>
+      </p:sp>
+    </p:spTree>
+  </p:cSld>
+  <mc:AlternateContent>
+    <mc:Choice Requires="p14">
+      <p:transition spd="slow" p14:dur="2000"/>
+    </mc:Choice>
+    <mc:Fallback>
+      <p:transition spd="slow"/>
+    </mc:Fallback>
+  </mc:AlternateContent>
+</p:sld>
+</file>
+
 <file path=ppt/slides/slide2.xml><?xml version="1.0" encoding="utf-8"?>
 <p:sld xmlns:a="http://schemas.openxmlformats.org/drawingml/2006/main" xmlns:p="http://schemas.openxmlformats.org/presentationml/2006/main" xmlns:r="http://schemas.openxmlformats.org/officeDocument/2006/relationships" xmlns:p14="http://schemas.microsoft.com/office/powerpoint/2010/main" xmlns:p15="http://schemas.microsoft.com/office/powerpoint/2012/main" xmlns:mc="http://schemas.openxmlformats.org/markup-compatibility/2006">
   <p:cSld>
@@ -3535,7 +4876,27 @@
                 <a:latin typeface="Arial"/>
                 <a:ea typeface="DejaVu Sans"/>
               </a:rPr>
-              <a:t>Problems explored in this paper</a:t>
+              <a:t>Problems explored in this thesis: the influence of L</a:t>
+            </a:r>
+            <a:r>
+              <a:rPr b="0" lang="en-GB" sz="2800" spc="-1" strike="noStrike" baseline="-8000">
+                <a:solidFill>
+                  <a:srgbClr val="000000"/>
+                </a:solidFill>
+                <a:latin typeface="Arial"/>
+                <a:ea typeface="DejaVu Sans"/>
+              </a:rPr>
+              <a:t>1</a:t>
+            </a:r>
+            <a:r>
+              <a:rPr b="0" lang="en-GB" sz="2800" spc="-1" strike="noStrike">
+                <a:solidFill>
+                  <a:srgbClr val="000000"/>
+                </a:solidFill>
+                <a:latin typeface="Arial"/>
+                <a:ea typeface="DejaVu Sans"/>
+              </a:rPr>
+              <a:t>-geometric margin on the error on test set</a:t>
             </a:r>
             <a:endParaRPr b="0" lang="en-GB" sz="2800" spc="-1" strike="noStrike">
               <a:latin typeface="Arial"/>
@@ -3552,7 +4913,7 @@
         <p:spPr>
           <a:xfrm>
             <a:off x="504000" y="1326600"/>
-            <a:ext cx="9070920" cy="1192680"/>
+            <a:ext cx="9070920" cy="654120"/>
           </a:xfrm>
           <a:prstGeom prst="rect">
             <a:avLst/>
@@ -3577,8 +4938,8 @@
         </p:nvSpPr>
         <p:spPr>
           <a:xfrm>
-            <a:off x="360000" y="1620000"/>
-            <a:ext cx="9539280" cy="899280"/>
+            <a:off x="180720" y="2700000"/>
+            <a:ext cx="9179280" cy="540000"/>
           </a:xfrm>
           <a:prstGeom prst="rect">
             <a:avLst/>
@@ -3621,8 +4982,2365 @@
                 <a:latin typeface="Arial"/>
                 <a:ea typeface="Microsoft YaHei"/>
               </a:rPr>
-              <a:t>This work explores AdaBoost ensembles created by different algorithms. The AdaBoost ensemble is as follows:</a:t>
-            </a:r>
+              <a:t>Then, L</a:t>
+            </a:r>
+            <a:r>
+              <a:rPr b="1" lang="en-US" sz="2000" spc="-1" strike="noStrike" baseline="-8000">
+                <a:solidFill>
+                  <a:srgbClr val="a26d6a"/>
+                </a:solidFill>
+                <a:latin typeface="Arial"/>
+                <a:ea typeface="Microsoft YaHei"/>
+              </a:rPr>
+              <a:t>1</a:t>
+            </a:r>
+            <a:r>
+              <a:rPr b="1" lang="en-US" sz="2000" spc="-1" strike="noStrike">
+                <a:solidFill>
+                  <a:srgbClr val="a26d6a"/>
+                </a:solidFill>
+                <a:latin typeface="Arial"/>
+                <a:ea typeface="Microsoft YaHei"/>
+              </a:rPr>
+              <a:t>-geometric margin for the ensemble is as follows:</a:t>
+            </a:r>
+            <a:endParaRPr b="0" lang="en-GB" sz="2000" spc="-1" strike="noStrike">
+              <a:latin typeface="Arial"/>
+            </a:endParaRPr>
+          </a:p>
+        </p:txBody>
+      </p:sp>
+      <p:sp>
+        <p:nvSpPr>
+          <p:cNvPr id="83" name="CustomShape 4"/>
+          <p:cNvSpPr/>
+          <p:nvPr/>
+        </p:nvSpPr>
+        <p:spPr>
+          <a:xfrm>
+            <a:off x="180000" y="1619280"/>
+            <a:ext cx="9539280" cy="540720"/>
+          </a:xfrm>
+          <a:prstGeom prst="rect">
+            <a:avLst/>
+          </a:prstGeom>
+          <a:noFill/>
+          <a:ln w="0">
+            <a:noFill/>
+          </a:ln>
+        </p:spPr>
+        <p:style>
+          <a:lnRef idx="0"/>
+          <a:fillRef idx="0"/>
+          <a:effectRef idx="0"/>
+          <a:fontRef idx="minor"/>
+        </p:style>
+        <p:txBody>
+          <a:bodyPr lIns="0" rIns="0" tIns="0" bIns="0">
+            <a:noAutofit/>
+          </a:bodyPr>
+          <a:p>
+            <a:pPr marL="432000" indent="-323280">
+              <a:lnSpc>
+                <a:spcPct val="100000"/>
+              </a:lnSpc>
+              <a:spcBef>
+                <a:spcPts val="1417"/>
+              </a:spcBef>
+              <a:buClr>
+                <a:srgbClr val="000000"/>
+              </a:buClr>
+              <a:buSzPct val="45000"/>
+              <a:buFont typeface="Wingdings" charset="2"/>
+              <a:buChar char=""/>
+            </a:pPr>
+            <a:r>
+              <a:rPr b="1" lang="en-US" sz="2000" spc="-1" strike="noStrike">
+                <a:solidFill>
+                  <a:srgbClr val="a26d6a"/>
+                </a:solidFill>
+                <a:latin typeface="Arial"/>
+                <a:ea typeface="Microsoft YaHei"/>
+              </a:rPr>
+              <a:t>Suppose AdaBoost ensemble is defined in a vector form:</a:t>
+            </a:r>
+            <a:endParaRPr b="0" lang="en-GB" sz="2000" spc="-1" strike="noStrike">
+              <a:latin typeface="Arial"/>
+            </a:endParaRPr>
+          </a:p>
+        </p:txBody>
+      </p:sp>
+      <p:pic>
+        <p:nvPicPr>
+          <p:cNvPr id="84" name="" descr=""/>
+          <p:cNvPicPr/>
+          <p:nvPr/>
+        </p:nvPicPr>
+        <p:blipFill>
+          <a:blip r:embed="rId1"/>
+          <a:stretch/>
+        </p:blipFill>
+        <p:spPr>
+          <a:xfrm>
+            <a:off x="3230640" y="1980720"/>
+            <a:ext cx="2889360" cy="539280"/>
+          </a:xfrm>
+          <a:prstGeom prst="rect">
+            <a:avLst/>
+          </a:prstGeom>
+          <a:ln w="0">
+            <a:noFill/>
+          </a:ln>
+        </p:spPr>
+      </p:pic>
+      <p:pic>
+        <p:nvPicPr>
+          <p:cNvPr id="85" name="" descr=""/>
+          <p:cNvPicPr/>
+          <p:nvPr/>
+        </p:nvPicPr>
+        <p:blipFill>
+          <a:blip r:embed="rId2"/>
+          <a:stretch/>
+        </p:blipFill>
+        <p:spPr>
+          <a:xfrm>
+            <a:off x="3240000" y="3240000"/>
+            <a:ext cx="3243960" cy="484200"/>
+          </a:xfrm>
+          <a:prstGeom prst="rect">
+            <a:avLst/>
+          </a:prstGeom>
+          <a:ln w="0">
+            <a:noFill/>
+          </a:ln>
+        </p:spPr>
+      </p:pic>
+      <p:sp>
+        <p:nvSpPr>
+          <p:cNvPr id="86" name="CustomShape 5"/>
+          <p:cNvSpPr/>
+          <p:nvPr/>
+        </p:nvSpPr>
+        <p:spPr>
+          <a:xfrm>
+            <a:off x="540000" y="3960000"/>
+            <a:ext cx="9180000" cy="1620000"/>
+          </a:xfrm>
+          <a:prstGeom prst="rect">
+            <a:avLst/>
+          </a:prstGeom>
+          <a:noFill/>
+          <a:ln w="0">
+            <a:noFill/>
+          </a:ln>
+        </p:spPr>
+        <p:style>
+          <a:lnRef idx="0"/>
+          <a:fillRef idx="0"/>
+          <a:effectRef idx="0"/>
+          <a:fontRef idx="minor"/>
+        </p:style>
+        <p:txBody>
+          <a:bodyPr lIns="0" rIns="0" tIns="0" bIns="0">
+            <a:noAutofit/>
+          </a:bodyPr>
+          <a:p>
+            <a:pPr>
+              <a:lnSpc>
+                <a:spcPct val="100000"/>
+              </a:lnSpc>
+              <a:spcBef>
+                <a:spcPts val="1417"/>
+              </a:spcBef>
+            </a:pPr>
+            <a:r>
+              <a:rPr b="1" lang="en-US" sz="2000" spc="-1" strike="noStrike">
+                <a:solidFill>
+                  <a:srgbClr val="a26d6a"/>
+                </a:solidFill>
+                <a:latin typeface="Arial"/>
+                <a:ea typeface="Microsoft YaHei"/>
+              </a:rPr>
+              <a:t>For a hyper-plane perpendicular to vector a, the geometric margin is a minimum among norm-1 distances from h(x</a:t>
+            </a:r>
+            <a:r>
+              <a:rPr b="1" lang="en-US" sz="2000" spc="-1" strike="noStrike" baseline="-8000">
+                <a:solidFill>
+                  <a:srgbClr val="a26d6a"/>
+                </a:solidFill>
+                <a:latin typeface="Arial"/>
+                <a:ea typeface="Microsoft YaHei"/>
+              </a:rPr>
+              <a:t>t</a:t>
+            </a:r>
+            <a:r>
+              <a:rPr b="1" lang="en-US" sz="2000" spc="-1" strike="noStrike">
+                <a:solidFill>
+                  <a:srgbClr val="a26d6a"/>
+                </a:solidFill>
+                <a:latin typeface="Arial"/>
+                <a:ea typeface="Microsoft YaHei"/>
+              </a:rPr>
+              <a:t>) vectors to the hyper-plane. Thus, the geometric margin reflects the classifier's confidence in the train data set, and the question is whether a greater L</a:t>
+            </a:r>
+            <a:r>
+              <a:rPr b="1" lang="en-US" sz="2000" spc="-1" strike="noStrike" baseline="-8000">
+                <a:solidFill>
+                  <a:srgbClr val="a26d6a"/>
+                </a:solidFill>
+                <a:latin typeface="Arial"/>
+                <a:ea typeface="Microsoft YaHei"/>
+              </a:rPr>
+              <a:t>1</a:t>
+            </a:r>
+            <a:r>
+              <a:rPr b="1" lang="en-US" sz="2000" spc="-1" strike="noStrike">
+                <a:solidFill>
+                  <a:srgbClr val="a26d6a"/>
+                </a:solidFill>
+                <a:latin typeface="Arial"/>
+                <a:ea typeface="Microsoft YaHei"/>
+              </a:rPr>
+              <a:t>-geometric margin provides less generalisation error on test data.</a:t>
+            </a:r>
+            <a:endParaRPr b="0" lang="en-GB" sz="2000" spc="-1" strike="noStrike">
+              <a:latin typeface="Arial"/>
+            </a:endParaRPr>
+          </a:p>
+        </p:txBody>
+      </p:sp>
+    </p:spTree>
+  </p:cSld>
+  <mc:AlternateContent>
+    <mc:Choice Requires="p14">
+      <p:transition spd="slow" p14:dur="2000"/>
+    </mc:Choice>
+    <mc:Fallback>
+      <p:transition spd="slow"/>
+    </mc:Fallback>
+  </mc:AlternateContent>
+</p:sld>
+</file>
+
+<file path=ppt/slides/slide3.xml><?xml version="1.0" encoding="utf-8"?>
+<p:sld xmlns:a="http://schemas.openxmlformats.org/drawingml/2006/main" xmlns:p="http://schemas.openxmlformats.org/presentationml/2006/main" xmlns:r="http://schemas.openxmlformats.org/officeDocument/2006/relationships" xmlns:p14="http://schemas.microsoft.com/office/powerpoint/2010/main" xmlns:p15="http://schemas.microsoft.com/office/powerpoint/2012/main" xmlns:mc="http://schemas.openxmlformats.org/markup-compatibility/2006">
+  <p:cSld>
+    <p:spTree>
+      <p:nvGrpSpPr>
+        <p:cNvPr id="1" name=""/>
+        <p:cNvGrpSpPr/>
+        <p:nvPr/>
+      </p:nvGrpSpPr>
+      <p:grpSpPr>
+        <a:xfrm>
+          <a:off x="0" y="0"/>
+          <a:ext cx="0" cy="0"/>
+          <a:chOff x="0" y="0"/>
+          <a:chExt cx="0" cy="0"/>
+        </a:xfrm>
+      </p:grpSpPr>
+      <p:sp>
+        <p:nvSpPr>
+          <p:cNvPr id="87" name="TextShape 1"/>
+          <p:cNvSpPr txBox="1"/>
+          <p:nvPr/>
+        </p:nvSpPr>
+        <p:spPr>
+          <a:xfrm>
+            <a:off x="504000" y="226080"/>
+            <a:ext cx="9072000" cy="946440"/>
+          </a:xfrm>
+          <a:prstGeom prst="rect">
+            <a:avLst/>
+          </a:prstGeom>
+          <a:noFill/>
+          <a:ln w="0">
+            <a:noFill/>
+          </a:ln>
+        </p:spPr>
+        <p:txBody>
+          <a:bodyPr lIns="0" rIns="0" tIns="0" bIns="0" anchor="ctr">
+            <a:noAutofit/>
+          </a:bodyPr>
+          <a:p>
+            <a:pPr algn="ctr">
+              <a:lnSpc>
+                <a:spcPct val="100000"/>
+              </a:lnSpc>
+            </a:pPr>
+            <a:r>
+              <a:rPr b="0" lang="en-GB" sz="2800" spc="-1" strike="noStrike">
+                <a:solidFill>
+                  <a:srgbClr val="000000"/>
+                </a:solidFill>
+                <a:latin typeface="Arial"/>
+                <a:ea typeface="DejaVu Sans"/>
+              </a:rPr>
+              <a:t>Problems explored in this thesis: studying of risk estimation based on the empirical loss function</a:t>
+            </a:r>
+            <a:endParaRPr b="0" lang="en-GB" sz="2800" spc="-1" strike="noStrike">
+              <a:latin typeface="Arial"/>
+            </a:endParaRPr>
+          </a:p>
+        </p:txBody>
+      </p:sp>
+      <p:sp>
+        <p:nvSpPr>
+          <p:cNvPr id="88" name="CustomShape 2"/>
+          <p:cNvSpPr/>
+          <p:nvPr/>
+        </p:nvSpPr>
+        <p:spPr>
+          <a:xfrm>
+            <a:off x="180000" y="1260000"/>
+            <a:ext cx="9539280" cy="900000"/>
+          </a:xfrm>
+          <a:prstGeom prst="rect">
+            <a:avLst/>
+          </a:prstGeom>
+          <a:noFill/>
+          <a:ln w="0">
+            <a:noFill/>
+          </a:ln>
+        </p:spPr>
+        <p:style>
+          <a:lnRef idx="0"/>
+          <a:fillRef idx="0"/>
+          <a:effectRef idx="0"/>
+          <a:fontRef idx="minor"/>
+        </p:style>
+        <p:txBody>
+          <a:bodyPr lIns="0" rIns="0" tIns="0" bIns="0">
+            <a:noAutofit/>
+          </a:bodyPr>
+          <a:p>
+            <a:pPr marL="432000" indent="-323280">
+              <a:lnSpc>
+                <a:spcPct val="100000"/>
+              </a:lnSpc>
+              <a:spcBef>
+                <a:spcPts val="1417"/>
+              </a:spcBef>
+              <a:buClr>
+                <a:srgbClr val="000000"/>
+              </a:buClr>
+              <a:buSzPct val="45000"/>
+              <a:buFont typeface="Wingdings" charset="2"/>
+              <a:buChar char=""/>
+            </a:pPr>
+            <a:r>
+              <a:rPr b="1" lang="en-US" sz="2000" spc="-1" strike="noStrike">
+                <a:solidFill>
+                  <a:srgbClr val="a26d6a"/>
+                </a:solidFill>
+                <a:latin typeface="Arial"/>
+                <a:ea typeface="Microsoft YaHei"/>
+              </a:rPr>
+              <a:t>Suppose, H is a set of real-valued functions and the non-negative value ρ of the margin is fixed. Then, for any δ &gt; 0, with a probability at least 1 − δ, the risk estimation for any h ∈ H is as follows:</a:t>
+            </a:r>
+            <a:endParaRPr b="0" lang="en-GB" sz="2000" spc="-1" strike="noStrike">
+              <a:latin typeface="Arial"/>
+            </a:endParaRPr>
+          </a:p>
+          <a:p>
+            <a:pPr marL="432000" indent="-323280">
+              <a:lnSpc>
+                <a:spcPct val="100000"/>
+              </a:lnSpc>
+              <a:spcBef>
+                <a:spcPts val="1417"/>
+              </a:spcBef>
+              <a:buClr>
+                <a:srgbClr val="000000"/>
+              </a:buClr>
+              <a:buSzPct val="45000"/>
+              <a:buFont typeface="Wingdings" charset="2"/>
+              <a:buChar char=""/>
+            </a:pPr>
+            <a:endParaRPr b="0" lang="en-GB" sz="2000" spc="-1" strike="noStrike">
+              <a:latin typeface="Arial"/>
+            </a:endParaRPr>
+          </a:p>
+        </p:txBody>
+      </p:sp>
+      <p:pic>
+        <p:nvPicPr>
+          <p:cNvPr id="89" name="" descr=""/>
+          <p:cNvPicPr/>
+          <p:nvPr/>
+        </p:nvPicPr>
+        <p:blipFill>
+          <a:blip r:embed="rId1"/>
+          <a:stretch/>
+        </p:blipFill>
+        <p:spPr>
+          <a:xfrm>
+            <a:off x="3145680" y="2279520"/>
+            <a:ext cx="4234320" cy="600480"/>
+          </a:xfrm>
+          <a:prstGeom prst="rect">
+            <a:avLst/>
+          </a:prstGeom>
+          <a:ln w="0">
+            <a:noFill/>
+          </a:ln>
+        </p:spPr>
+      </p:pic>
+      <p:sp>
+        <p:nvSpPr>
+          <p:cNvPr id="90" name="CustomShape 3"/>
+          <p:cNvSpPr/>
+          <p:nvPr/>
+        </p:nvSpPr>
+        <p:spPr>
+          <a:xfrm>
+            <a:off x="180720" y="2954880"/>
+            <a:ext cx="9539280" cy="360000"/>
+          </a:xfrm>
+          <a:prstGeom prst="rect">
+            <a:avLst/>
+          </a:prstGeom>
+          <a:noFill/>
+          <a:ln w="0">
+            <a:noFill/>
+          </a:ln>
+        </p:spPr>
+        <p:style>
+          <a:lnRef idx="0"/>
+          <a:fillRef idx="0"/>
+          <a:effectRef idx="0"/>
+          <a:fontRef idx="minor"/>
+        </p:style>
+        <p:txBody>
+          <a:bodyPr lIns="0" rIns="0" tIns="0" bIns="0">
+            <a:noAutofit/>
+          </a:bodyPr>
+          <a:p>
+            <a:pPr marL="432000" indent="-323280">
+              <a:lnSpc>
+                <a:spcPct val="100000"/>
+              </a:lnSpc>
+              <a:spcBef>
+                <a:spcPts val="1417"/>
+              </a:spcBef>
+              <a:buClr>
+                <a:srgbClr val="000000"/>
+              </a:buClr>
+              <a:buSzPct val="45000"/>
+              <a:buFont typeface="Wingdings" charset="2"/>
+              <a:buChar char=""/>
+            </a:pPr>
+            <a:r>
+              <a:rPr b="1" lang="en-US" sz="2000" spc="-1" strike="noStrike">
+                <a:solidFill>
+                  <a:srgbClr val="a26d6a"/>
+                </a:solidFill>
+                <a:latin typeface="Arial"/>
+                <a:ea typeface="Microsoft YaHei"/>
+              </a:rPr>
+              <a:t>The empirical loss function R</a:t>
+            </a:r>
+            <a:r>
+              <a:rPr b="1" lang="en-US" sz="2000" spc="-1" strike="noStrike" baseline="-8000">
+                <a:solidFill>
+                  <a:srgbClr val="a26d6a"/>
+                </a:solidFill>
+                <a:latin typeface="Arial"/>
+                <a:ea typeface="Microsoft YaHei"/>
+              </a:rPr>
+              <a:t>S,ρ </a:t>
+            </a:r>
+            <a:r>
+              <a:rPr b="1" lang="en-US" sz="2000" spc="-1" strike="noStrike">
+                <a:solidFill>
+                  <a:srgbClr val="a26d6a"/>
+                </a:solidFill>
+                <a:latin typeface="Arial"/>
+                <a:ea typeface="Microsoft YaHei"/>
+              </a:rPr>
+              <a:t>is defined as follows:</a:t>
+            </a:r>
+            <a:endParaRPr b="0" lang="en-GB" sz="2000" spc="-1" strike="noStrike">
+              <a:latin typeface="Arial"/>
+            </a:endParaRPr>
+          </a:p>
+          <a:p>
+            <a:pPr marL="432000" indent="-323280">
+              <a:lnSpc>
+                <a:spcPct val="100000"/>
+              </a:lnSpc>
+              <a:spcBef>
+                <a:spcPts val="1417"/>
+              </a:spcBef>
+              <a:buClr>
+                <a:srgbClr val="000000"/>
+              </a:buClr>
+              <a:buSzPct val="45000"/>
+              <a:buFont typeface="Wingdings" charset="2"/>
+              <a:buChar char=""/>
+            </a:pPr>
+            <a:endParaRPr b="0" lang="en-GB" sz="2000" spc="-1" strike="noStrike">
+              <a:latin typeface="Arial"/>
+            </a:endParaRPr>
+          </a:p>
+        </p:txBody>
+      </p:sp>
+      <p:pic>
+        <p:nvPicPr>
+          <p:cNvPr id="91" name="" descr=""/>
+          <p:cNvPicPr/>
+          <p:nvPr/>
+        </p:nvPicPr>
+        <p:blipFill>
+          <a:blip r:embed="rId2"/>
+          <a:stretch/>
+        </p:blipFill>
+        <p:spPr>
+          <a:xfrm>
+            <a:off x="3272760" y="3314880"/>
+            <a:ext cx="3747240" cy="510840"/>
+          </a:xfrm>
+          <a:prstGeom prst="rect">
+            <a:avLst/>
+          </a:prstGeom>
+          <a:ln w="0">
+            <a:noFill/>
+          </a:ln>
+        </p:spPr>
+      </p:pic>
+      <p:sp>
+        <p:nvSpPr>
+          <p:cNvPr id="92" name="CustomShape 4"/>
+          <p:cNvSpPr/>
+          <p:nvPr/>
+        </p:nvSpPr>
+        <p:spPr>
+          <a:xfrm>
+            <a:off x="180720" y="3780000"/>
+            <a:ext cx="9539280" cy="360000"/>
+          </a:xfrm>
+          <a:prstGeom prst="rect">
+            <a:avLst/>
+          </a:prstGeom>
+          <a:noFill/>
+          <a:ln w="0">
+            <a:noFill/>
+          </a:ln>
+        </p:spPr>
+        <p:style>
+          <a:lnRef idx="0"/>
+          <a:fillRef idx="0"/>
+          <a:effectRef idx="0"/>
+          <a:fontRef idx="minor"/>
+        </p:style>
+        <p:txBody>
+          <a:bodyPr lIns="0" rIns="0" tIns="0" bIns="0">
+            <a:noAutofit/>
+          </a:bodyPr>
+          <a:p>
+            <a:pPr marL="432000" indent="-323280">
+              <a:lnSpc>
+                <a:spcPct val="100000"/>
+              </a:lnSpc>
+              <a:spcBef>
+                <a:spcPts val="1417"/>
+              </a:spcBef>
+              <a:buClr>
+                <a:srgbClr val="000000"/>
+              </a:buClr>
+              <a:buSzPct val="45000"/>
+              <a:buFont typeface="Wingdings" charset="2"/>
+              <a:buChar char=""/>
+            </a:pPr>
+            <a:r>
+              <a:rPr b="1" lang="en-US" sz="2000" spc="-1" strike="noStrike">
+                <a:solidFill>
+                  <a:srgbClr val="a26d6a"/>
+                </a:solidFill>
+                <a:latin typeface="Arial"/>
+                <a:ea typeface="Microsoft YaHei"/>
+              </a:rPr>
+              <a:t>Ф</a:t>
+            </a:r>
+            <a:r>
+              <a:rPr b="1" lang="en-US" sz="2000" spc="-1" strike="noStrike" baseline="-8000">
+                <a:solidFill>
+                  <a:srgbClr val="a26d6a"/>
+                </a:solidFill>
+                <a:latin typeface="Arial"/>
+                <a:ea typeface="Microsoft YaHei"/>
+              </a:rPr>
+              <a:t>ρ</a:t>
+            </a:r>
+            <a:r>
+              <a:rPr b="1" lang="en-US" sz="2000" spc="-1" strike="noStrike">
+                <a:solidFill>
+                  <a:srgbClr val="a26d6a"/>
+                </a:solidFill>
+                <a:latin typeface="Arial"/>
+                <a:ea typeface="Microsoft YaHei"/>
+              </a:rPr>
+              <a:t> has the following graph:</a:t>
+            </a:r>
+            <a:endParaRPr b="0" lang="en-GB" sz="2000" spc="-1" strike="noStrike">
+              <a:latin typeface="Arial"/>
+            </a:endParaRPr>
+          </a:p>
+          <a:p>
+            <a:pPr marL="432000" indent="-323280">
+              <a:lnSpc>
+                <a:spcPct val="100000"/>
+              </a:lnSpc>
+              <a:spcBef>
+                <a:spcPts val="1417"/>
+              </a:spcBef>
+              <a:buClr>
+                <a:srgbClr val="000000"/>
+              </a:buClr>
+              <a:buSzPct val="45000"/>
+              <a:buFont typeface="Wingdings" charset="2"/>
+              <a:buChar char=""/>
+            </a:pPr>
+            <a:endParaRPr b="0" lang="en-GB" sz="2000" spc="-1" strike="noStrike">
+              <a:latin typeface="Arial"/>
+            </a:endParaRPr>
+          </a:p>
+        </p:txBody>
+      </p:sp>
+      <p:pic>
+        <p:nvPicPr>
+          <p:cNvPr id="93" name="" descr=""/>
+          <p:cNvPicPr/>
+          <p:nvPr/>
+        </p:nvPicPr>
+        <p:blipFill>
+          <a:blip r:embed="rId3"/>
+          <a:stretch/>
+        </p:blipFill>
+        <p:spPr>
+          <a:xfrm>
+            <a:off x="3600000" y="4140000"/>
+            <a:ext cx="2323800" cy="1314000"/>
+          </a:xfrm>
+          <a:prstGeom prst="rect">
+            <a:avLst/>
+          </a:prstGeom>
+          <a:ln w="0">
+            <a:noFill/>
+          </a:ln>
+        </p:spPr>
+      </p:pic>
+    </p:spTree>
+  </p:cSld>
+  <mc:AlternateContent>
+    <mc:Choice Requires="p14">
+      <p:transition spd="slow" p14:dur="2000"/>
+    </mc:Choice>
+    <mc:Fallback>
+      <p:transition spd="slow"/>
+    </mc:Fallback>
+  </mc:AlternateContent>
+</p:sld>
+</file>
+
+<file path=ppt/slides/slide4.xml><?xml version="1.0" encoding="utf-8"?>
+<p:sld xmlns:a="http://schemas.openxmlformats.org/drawingml/2006/main" xmlns:p="http://schemas.openxmlformats.org/presentationml/2006/main" xmlns:r="http://schemas.openxmlformats.org/officeDocument/2006/relationships" xmlns:p14="http://schemas.microsoft.com/office/powerpoint/2010/main" xmlns:p15="http://schemas.microsoft.com/office/powerpoint/2012/main" xmlns:mc="http://schemas.openxmlformats.org/markup-compatibility/2006">
+  <p:cSld>
+    <p:spTree>
+      <p:nvGrpSpPr>
+        <p:cNvPr id="1" name=""/>
+        <p:cNvGrpSpPr/>
+        <p:nvPr/>
+      </p:nvGrpSpPr>
+      <p:grpSpPr>
+        <a:xfrm>
+          <a:off x="0" y="0"/>
+          <a:ext cx="0" cy="0"/>
+          <a:chOff x="0" y="0"/>
+          <a:chExt cx="0" cy="0"/>
+        </a:xfrm>
+      </p:grpSpPr>
+      <p:sp>
+        <p:nvSpPr>
+          <p:cNvPr id="94" name="TextShape 1"/>
+          <p:cNvSpPr txBox="1"/>
+          <p:nvPr/>
+        </p:nvSpPr>
+        <p:spPr>
+          <a:xfrm>
+            <a:off x="504000" y="226080"/>
+            <a:ext cx="9072000" cy="946440"/>
+          </a:xfrm>
+          <a:prstGeom prst="rect">
+            <a:avLst/>
+          </a:prstGeom>
+          <a:noFill/>
+          <a:ln w="0">
+            <a:noFill/>
+          </a:ln>
+        </p:spPr>
+        <p:txBody>
+          <a:bodyPr lIns="0" rIns="0" tIns="0" bIns="0" anchor="ctr">
+            <a:noAutofit/>
+          </a:bodyPr>
+          <a:p>
+            <a:pPr algn="ctr">
+              <a:lnSpc>
+                <a:spcPct val="100000"/>
+              </a:lnSpc>
+            </a:pPr>
+            <a:r>
+              <a:rPr b="0" lang="en-GB" sz="2800" spc="-1" strike="noStrike">
+                <a:solidFill>
+                  <a:srgbClr val="000000"/>
+                </a:solidFill>
+                <a:latin typeface="Arial"/>
+                <a:ea typeface="DejaVu Sans"/>
+              </a:rPr>
+              <a:t>Problems explored in this thesis: studying of error estimation based on the empirical loss function</a:t>
+            </a:r>
+            <a:endParaRPr b="0" lang="en-GB" sz="2800" spc="-1" strike="noStrike">
+              <a:latin typeface="Arial"/>
+            </a:endParaRPr>
+          </a:p>
+        </p:txBody>
+      </p:sp>
+      <p:sp>
+        <p:nvSpPr>
+          <p:cNvPr id="95" name="CustomShape 2"/>
+          <p:cNvSpPr/>
+          <p:nvPr/>
+        </p:nvSpPr>
+        <p:spPr>
+          <a:xfrm>
+            <a:off x="180000" y="1269000"/>
+            <a:ext cx="9539280" cy="711000"/>
+          </a:xfrm>
+          <a:prstGeom prst="rect">
+            <a:avLst/>
+          </a:prstGeom>
+          <a:noFill/>
+          <a:ln w="0">
+            <a:noFill/>
+          </a:ln>
+        </p:spPr>
+        <p:style>
+          <a:lnRef idx="0"/>
+          <a:fillRef idx="0"/>
+          <a:effectRef idx="0"/>
+          <a:fontRef idx="minor"/>
+        </p:style>
+        <p:txBody>
+          <a:bodyPr lIns="0" rIns="0" tIns="0" bIns="0">
+            <a:noAutofit/>
+          </a:bodyPr>
+          <a:p>
+            <a:pPr marL="432000" indent="-323280">
+              <a:lnSpc>
+                <a:spcPct val="100000"/>
+              </a:lnSpc>
+              <a:spcBef>
+                <a:spcPts val="1417"/>
+              </a:spcBef>
+              <a:buClr>
+                <a:srgbClr val="000000"/>
+              </a:buClr>
+              <a:buSzPct val="45000"/>
+              <a:buFont typeface="Wingdings" charset="2"/>
+              <a:buChar char=""/>
+            </a:pPr>
+            <a:r>
+              <a:rPr b="1" lang="en-US" sz="2000" spc="-1" strike="noStrike">
+                <a:solidFill>
+                  <a:srgbClr val="a26d6a"/>
+                </a:solidFill>
+                <a:latin typeface="Arial"/>
+                <a:ea typeface="Microsoft YaHei"/>
+              </a:rPr>
+              <a:t>From the above definitions, it can be seen that in order to estimate the risk of a classifier, the following function must be examined for a minimum:</a:t>
+            </a:r>
+            <a:endParaRPr b="0" lang="en-GB" sz="2000" spc="-1" strike="noStrike">
+              <a:latin typeface="Arial"/>
+            </a:endParaRPr>
+          </a:p>
+          <a:p>
+            <a:pPr marL="432000" indent="-323280">
+              <a:lnSpc>
+                <a:spcPct val="100000"/>
+              </a:lnSpc>
+              <a:spcBef>
+                <a:spcPts val="1417"/>
+              </a:spcBef>
+              <a:buClr>
+                <a:srgbClr val="000000"/>
+              </a:buClr>
+              <a:buSzPct val="45000"/>
+              <a:buFont typeface="Wingdings" charset="2"/>
+              <a:buChar char=""/>
+            </a:pPr>
+            <a:endParaRPr b="0" lang="en-GB" sz="2000" spc="-1" strike="noStrike">
+              <a:latin typeface="Arial"/>
+            </a:endParaRPr>
+          </a:p>
+        </p:txBody>
+      </p:sp>
+      <p:pic>
+        <p:nvPicPr>
+          <p:cNvPr id="96" name="" descr=""/>
+          <p:cNvPicPr/>
+          <p:nvPr/>
+        </p:nvPicPr>
+        <p:blipFill>
+          <a:blip r:embed="rId1"/>
+          <a:stretch/>
+        </p:blipFill>
+        <p:spPr>
+          <a:xfrm>
+            <a:off x="3060000" y="1980000"/>
+            <a:ext cx="3570480" cy="613800"/>
+          </a:xfrm>
+          <a:prstGeom prst="rect">
+            <a:avLst/>
+          </a:prstGeom>
+          <a:ln w="0">
+            <a:noFill/>
+          </a:ln>
+        </p:spPr>
+      </p:pic>
+      <p:sp>
+        <p:nvSpPr>
+          <p:cNvPr id="97" name="CustomShape 3"/>
+          <p:cNvSpPr/>
+          <p:nvPr/>
+        </p:nvSpPr>
+        <p:spPr>
+          <a:xfrm>
+            <a:off x="180000" y="1269000"/>
+            <a:ext cx="9539280" cy="711000"/>
+          </a:xfrm>
+          <a:prstGeom prst="rect">
+            <a:avLst/>
+          </a:prstGeom>
+          <a:noFill/>
+          <a:ln w="0">
+            <a:noFill/>
+          </a:ln>
+        </p:spPr>
+        <p:style>
+          <a:lnRef idx="0"/>
+          <a:fillRef idx="0"/>
+          <a:effectRef idx="0"/>
+          <a:fontRef idx="minor"/>
+        </p:style>
+        <p:txBody>
+          <a:bodyPr lIns="0" rIns="0" tIns="0" bIns="0">
+            <a:noAutofit/>
+          </a:bodyPr>
+          <a:p>
+            <a:pPr marL="432000" indent="-323280">
+              <a:lnSpc>
+                <a:spcPct val="100000"/>
+              </a:lnSpc>
+              <a:spcBef>
+                <a:spcPts val="1417"/>
+              </a:spcBef>
+              <a:buClr>
+                <a:srgbClr val="000000"/>
+              </a:buClr>
+              <a:buSzPct val="45000"/>
+              <a:buFont typeface="Wingdings" charset="2"/>
+              <a:buChar char=""/>
+            </a:pPr>
+            <a:r>
+              <a:rPr b="1" lang="en-US" sz="2000" spc="-1" strike="noStrike">
+                <a:solidFill>
+                  <a:srgbClr val="a26d6a"/>
+                </a:solidFill>
+                <a:latin typeface="Arial"/>
+                <a:ea typeface="Microsoft YaHei"/>
+              </a:rPr>
+              <a:t>From the above definitions, it can be seen that in order to estimate the risk of a classifier, the following function must be examined for a minimum:</a:t>
+            </a:r>
+            <a:endParaRPr b="0" lang="en-GB" sz="2000" spc="-1" strike="noStrike">
+              <a:latin typeface="Arial"/>
+            </a:endParaRPr>
+          </a:p>
+          <a:p>
+            <a:pPr marL="432000" indent="-323280">
+              <a:lnSpc>
+                <a:spcPct val="100000"/>
+              </a:lnSpc>
+              <a:spcBef>
+                <a:spcPts val="1417"/>
+              </a:spcBef>
+              <a:buClr>
+                <a:srgbClr val="000000"/>
+              </a:buClr>
+              <a:buSzPct val="45000"/>
+              <a:buFont typeface="Wingdings" charset="2"/>
+              <a:buChar char=""/>
+            </a:pPr>
+            <a:endParaRPr b="0" lang="en-GB" sz="2000" spc="-1" strike="noStrike">
+              <a:latin typeface="Arial"/>
+            </a:endParaRPr>
+          </a:p>
+        </p:txBody>
+      </p:sp>
+      <p:sp>
+        <p:nvSpPr>
+          <p:cNvPr id="98" name="CustomShape 4"/>
+          <p:cNvSpPr/>
+          <p:nvPr/>
+        </p:nvSpPr>
+        <p:spPr>
+          <a:xfrm>
+            <a:off x="180000" y="2880000"/>
+            <a:ext cx="9539280" cy="1800000"/>
+          </a:xfrm>
+          <a:prstGeom prst="rect">
+            <a:avLst/>
+          </a:prstGeom>
+          <a:noFill/>
+          <a:ln w="0">
+            <a:noFill/>
+          </a:ln>
+        </p:spPr>
+        <p:style>
+          <a:lnRef idx="0"/>
+          <a:fillRef idx="0"/>
+          <a:effectRef idx="0"/>
+          <a:fontRef idx="minor"/>
+        </p:style>
+        <p:txBody>
+          <a:bodyPr lIns="0" rIns="0" tIns="0" bIns="0">
+            <a:noAutofit/>
+          </a:bodyPr>
+          <a:p>
+            <a:pPr marL="432000" indent="-323280">
+              <a:lnSpc>
+                <a:spcPct val="100000"/>
+              </a:lnSpc>
+              <a:spcBef>
+                <a:spcPts val="1417"/>
+              </a:spcBef>
+              <a:buClr>
+                <a:srgbClr val="000000"/>
+              </a:buClr>
+              <a:buSzPct val="45000"/>
+              <a:buFont typeface="Wingdings" charset="2"/>
+              <a:buChar char=""/>
+            </a:pPr>
+            <a:r>
+              <a:rPr b="1" lang="en-US" sz="2000" spc="-1" strike="noStrike">
+                <a:solidFill>
+                  <a:srgbClr val="a26d6a"/>
+                </a:solidFill>
+                <a:latin typeface="Arial"/>
+                <a:ea typeface="Microsoft YaHei"/>
+              </a:rPr>
+              <a:t>It may be noted that U(ρ) contains differently directed terms: R</a:t>
+            </a:r>
+            <a:r>
+              <a:rPr b="1" lang="en-US" sz="2000" spc="-1" strike="noStrike" baseline="-8000">
+                <a:solidFill>
+                  <a:srgbClr val="a26d6a"/>
+                </a:solidFill>
+                <a:latin typeface="Arial"/>
+                <a:ea typeface="Microsoft YaHei"/>
+              </a:rPr>
+              <a:t>S,ρ</a:t>
+            </a:r>
+            <a:r>
+              <a:rPr b="1" lang="en-US" sz="2000" spc="-1" strike="noStrike">
+                <a:solidFill>
+                  <a:srgbClr val="a26d6a"/>
+                </a:solidFill>
+                <a:latin typeface="Arial"/>
+                <a:ea typeface="Microsoft YaHei"/>
+              </a:rPr>
+              <a:t>(h) is a growing function of ρ while (2/ρ)*R</a:t>
+            </a:r>
+            <a:r>
+              <a:rPr b="1" lang="en-US" sz="2000" spc="-1" strike="noStrike" baseline="-8000">
+                <a:solidFill>
+                  <a:srgbClr val="a26d6a"/>
+                </a:solidFill>
+                <a:latin typeface="Arial"/>
+                <a:ea typeface="Microsoft YaHei"/>
+              </a:rPr>
+              <a:t>s</a:t>
+            </a:r>
+            <a:r>
+              <a:rPr b="1" lang="en-US" sz="2000" spc="-1" strike="noStrike">
+                <a:solidFill>
+                  <a:srgbClr val="a26d6a"/>
+                </a:solidFill>
+                <a:latin typeface="Arial"/>
+                <a:ea typeface="Microsoft YaHei"/>
+              </a:rPr>
+              <a:t>(H) is decreasing. Thus, some minimum of U(ρ) is expected. It is difficult to solve this optimising task analytically because of the undifferentiated R</a:t>
+            </a:r>
+            <a:r>
+              <a:rPr b="1" lang="en-US" sz="2000" spc="-1" strike="noStrike" baseline="-8000">
+                <a:solidFill>
+                  <a:srgbClr val="a26d6a"/>
+                </a:solidFill>
+                <a:latin typeface="Arial"/>
+                <a:ea typeface="Microsoft YaHei"/>
+              </a:rPr>
+              <a:t>S,ρ</a:t>
+            </a:r>
+            <a:r>
+              <a:rPr b="1" lang="en-US" sz="2000" spc="-1" strike="noStrike">
+                <a:solidFill>
+                  <a:srgbClr val="a26d6a"/>
+                </a:solidFill>
+                <a:latin typeface="Arial"/>
+                <a:ea typeface="Microsoft YaHei"/>
+              </a:rPr>
+              <a:t> as function of ρ, thus in the following experiments the value U(ρ) is estimating empirically by varying the variable ρ.</a:t>
+            </a:r>
+            <a:endParaRPr b="0" lang="en-GB" sz="2000" spc="-1" strike="noStrike">
+              <a:latin typeface="Arial"/>
+            </a:endParaRPr>
+          </a:p>
+          <a:p>
+            <a:pPr marL="432000" indent="-323280">
+              <a:lnSpc>
+                <a:spcPct val="100000"/>
+              </a:lnSpc>
+              <a:spcBef>
+                <a:spcPts val="1417"/>
+              </a:spcBef>
+              <a:buClr>
+                <a:srgbClr val="000000"/>
+              </a:buClr>
+              <a:buSzPct val="45000"/>
+              <a:buFont typeface="Wingdings" charset="2"/>
+              <a:buChar char=""/>
+            </a:pPr>
+            <a:endParaRPr b="0" lang="en-GB" sz="2000" spc="-1" strike="noStrike">
+              <a:latin typeface="Arial"/>
+            </a:endParaRPr>
+          </a:p>
+        </p:txBody>
+      </p:sp>
+    </p:spTree>
+  </p:cSld>
+  <mc:AlternateContent>
+    <mc:Choice Requires="p14">
+      <p:transition spd="slow" p14:dur="2000"/>
+    </mc:Choice>
+    <mc:Fallback>
+      <p:transition spd="slow"/>
+    </mc:Fallback>
+  </mc:AlternateContent>
+</p:sld>
+</file>
+
+<file path=ppt/slides/slide5.xml><?xml version="1.0" encoding="utf-8"?>
+<p:sld xmlns:a="http://schemas.openxmlformats.org/drawingml/2006/main" xmlns:p="http://schemas.openxmlformats.org/presentationml/2006/main" xmlns:r="http://schemas.openxmlformats.org/officeDocument/2006/relationships" xmlns:p14="http://schemas.microsoft.com/office/powerpoint/2010/main" xmlns:p15="http://schemas.microsoft.com/office/powerpoint/2012/main" xmlns:mc="http://schemas.openxmlformats.org/markup-compatibility/2006">
+  <p:cSld>
+    <p:spTree>
+      <p:nvGrpSpPr>
+        <p:cNvPr id="1" name=""/>
+        <p:cNvGrpSpPr/>
+        <p:nvPr/>
+      </p:nvGrpSpPr>
+      <p:grpSpPr>
+        <a:xfrm>
+          <a:off x="0" y="0"/>
+          <a:ext cx="0" cy="0"/>
+          <a:chOff x="0" y="0"/>
+          <a:chExt cx="0" cy="0"/>
+        </a:xfrm>
+      </p:grpSpPr>
+      <p:sp>
+        <p:nvSpPr>
+          <p:cNvPr id="99" name="TextShape 1"/>
+          <p:cNvSpPr txBox="1"/>
+          <p:nvPr/>
+        </p:nvSpPr>
+        <p:spPr>
+          <a:xfrm>
+            <a:off x="504000" y="226080"/>
+            <a:ext cx="9072000" cy="946440"/>
+          </a:xfrm>
+          <a:prstGeom prst="rect">
+            <a:avLst/>
+          </a:prstGeom>
+          <a:noFill/>
+          <a:ln w="0">
+            <a:noFill/>
+          </a:ln>
+        </p:spPr>
+        <p:txBody>
+          <a:bodyPr lIns="0" rIns="0" tIns="0" bIns="0" anchor="ctr">
+            <a:noAutofit/>
+          </a:bodyPr>
+          <a:p>
+            <a:pPr algn="ctr">
+              <a:lnSpc>
+                <a:spcPct val="100000"/>
+              </a:lnSpc>
+            </a:pPr>
+            <a:r>
+              <a:rPr b="0" lang="en-GB" sz="2800" spc="-1" strike="noStrike">
+                <a:solidFill>
+                  <a:srgbClr val="000000"/>
+                </a:solidFill>
+                <a:latin typeface="Arial"/>
+                <a:ea typeface="DejaVu Sans"/>
+              </a:rPr>
+              <a:t>Experiments with </a:t>
+            </a:r>
+            <a:r>
+              <a:rPr b="0" lang="en-GB" sz="2800" spc="-1" strike="noStrike">
+                <a:solidFill>
+                  <a:srgbClr val="000000"/>
+                </a:solidFill>
+                <a:latin typeface="Arial"/>
+                <a:ea typeface="DejaVu Sans"/>
+              </a:rPr>
+              <a:t>L</a:t>
+            </a:r>
+            <a:r>
+              <a:rPr b="0" lang="en-GB" sz="2800" spc="-1" strike="noStrike" baseline="-8000">
+                <a:solidFill>
+                  <a:srgbClr val="000000"/>
+                </a:solidFill>
+                <a:latin typeface="Arial"/>
+                <a:ea typeface="DejaVu Sans"/>
+              </a:rPr>
+              <a:t>1</a:t>
+            </a:r>
+            <a:r>
+              <a:rPr b="0" lang="en-GB" sz="2800" spc="-1" strike="noStrike">
+                <a:solidFill>
+                  <a:srgbClr val="000000"/>
+                </a:solidFill>
+                <a:latin typeface="Arial"/>
+                <a:ea typeface="DejaVu Sans"/>
+              </a:rPr>
+              <a:t>-geometric margin</a:t>
+            </a:r>
+            <a:endParaRPr b="0" lang="en-GB" sz="2800" spc="-1" strike="noStrike">
+              <a:latin typeface="Arial"/>
+            </a:endParaRPr>
+          </a:p>
+        </p:txBody>
+      </p:sp>
+      <p:sp>
+        <p:nvSpPr>
+          <p:cNvPr id="100" name="CustomShape 2"/>
+          <p:cNvSpPr/>
+          <p:nvPr/>
+        </p:nvSpPr>
+        <p:spPr>
+          <a:xfrm>
+            <a:off x="720000" y="1260000"/>
+            <a:ext cx="9000000" cy="3152520"/>
+          </a:xfrm>
+          <a:prstGeom prst="rect">
+            <a:avLst/>
+          </a:prstGeom>
+          <a:noFill/>
+          <a:ln w="0">
+            <a:noFill/>
+          </a:ln>
+        </p:spPr>
+        <p:style>
+          <a:lnRef idx="0"/>
+          <a:fillRef idx="0"/>
+          <a:effectRef idx="0"/>
+          <a:fontRef idx="minor"/>
+        </p:style>
+        <p:txBody>
+          <a:bodyPr lIns="0" rIns="0" tIns="0" bIns="0">
+            <a:noAutofit/>
+          </a:bodyPr>
+          <a:p>
+            <a:pPr>
+              <a:lnSpc>
+                <a:spcPct val="100000"/>
+              </a:lnSpc>
+              <a:spcBef>
+                <a:spcPts val="1417"/>
+              </a:spcBef>
+            </a:pPr>
+            <a:r>
+              <a:rPr b="1" lang="en-US" sz="2000" spc="-1" strike="noStrike">
+                <a:solidFill>
+                  <a:srgbClr val="a26d6a"/>
+                </a:solidFill>
+                <a:latin typeface="Arial"/>
+                <a:ea typeface="Microsoft YaHei"/>
+              </a:rPr>
+              <a:t>Originally, AdaBoost was implemented as an iterative process. In each boosting round a weak classifier is selected in order to minimise the error on some specially designed distribution. Alternatively, the L</a:t>
+            </a:r>
+            <a:r>
+              <a:rPr b="1" lang="en-US" sz="2000" spc="-1" strike="noStrike" baseline="-8000">
+                <a:solidFill>
+                  <a:srgbClr val="a26d6a"/>
+                </a:solidFill>
+                <a:latin typeface="Arial"/>
+                <a:ea typeface="Microsoft YaHei"/>
+              </a:rPr>
+              <a:t>1</a:t>
+            </a:r>
+            <a:r>
+              <a:rPr b="1" lang="en-US" sz="2000" spc="-1" strike="noStrike">
+                <a:solidFill>
+                  <a:srgbClr val="a26d6a"/>
+                </a:solidFill>
+                <a:latin typeface="Arial"/>
+                <a:ea typeface="Microsoft YaHei"/>
+              </a:rPr>
+              <a:t>-geometric margin in the separable case for the training set can be defined and maximised explicitly, e.g. using linear programming. Thus, we obtain two methods for the classifier ensemble implementation and moreover, the second version is a margin maximiser. If it is true that maximising the margin yields less risk, the second version classifier should give better results. This statement is checked in the following experiments.</a:t>
+            </a:r>
+            <a:endParaRPr b="0" lang="en-GB" sz="2000" spc="-1" strike="noStrike">
+              <a:latin typeface="Arial"/>
+            </a:endParaRPr>
+          </a:p>
+          <a:p>
+            <a:pPr marL="432000" indent="-323280">
+              <a:lnSpc>
+                <a:spcPct val="100000"/>
+              </a:lnSpc>
+              <a:spcBef>
+                <a:spcPts val="1417"/>
+              </a:spcBef>
+              <a:buClr>
+                <a:srgbClr val="000000"/>
+              </a:buClr>
+              <a:buSzPct val="45000"/>
+              <a:buFont typeface="Wingdings" charset="2"/>
+              <a:buChar char=""/>
+            </a:pPr>
+            <a:endParaRPr b="0" lang="en-GB" sz="2000" spc="-1" strike="noStrike">
+              <a:latin typeface="Arial"/>
+            </a:endParaRPr>
+          </a:p>
+        </p:txBody>
+      </p:sp>
+    </p:spTree>
+  </p:cSld>
+  <mc:AlternateContent>
+    <mc:Choice Requires="p14">
+      <p:transition spd="slow" p14:dur="2000"/>
+    </mc:Choice>
+    <mc:Fallback>
+      <p:transition spd="slow"/>
+    </mc:Fallback>
+  </mc:AlternateContent>
+</p:sld>
+</file>
+
+<file path=ppt/slides/slide6.xml><?xml version="1.0" encoding="utf-8"?>
+<p:sld xmlns:a="http://schemas.openxmlformats.org/drawingml/2006/main" xmlns:p="http://schemas.openxmlformats.org/presentationml/2006/main" xmlns:r="http://schemas.openxmlformats.org/officeDocument/2006/relationships" xmlns:p14="http://schemas.microsoft.com/office/powerpoint/2010/main" xmlns:p15="http://schemas.microsoft.com/office/powerpoint/2012/main" xmlns:mc="http://schemas.openxmlformats.org/markup-compatibility/2006">
+  <p:cSld>
+    <p:spTree>
+      <p:nvGrpSpPr>
+        <p:cNvPr id="1" name=""/>
+        <p:cNvGrpSpPr/>
+        <p:nvPr/>
+      </p:nvGrpSpPr>
+      <p:grpSpPr>
+        <a:xfrm>
+          <a:off x="0" y="0"/>
+          <a:ext cx="0" cy="0"/>
+          <a:chOff x="0" y="0"/>
+          <a:chExt cx="0" cy="0"/>
+        </a:xfrm>
+      </p:grpSpPr>
+      <p:sp>
+        <p:nvSpPr>
+          <p:cNvPr id="101" name="TextShape 1"/>
+          <p:cNvSpPr txBox="1"/>
+          <p:nvPr/>
+        </p:nvSpPr>
+        <p:spPr>
+          <a:xfrm>
+            <a:off x="504000" y="226080"/>
+            <a:ext cx="9072000" cy="946440"/>
+          </a:xfrm>
+          <a:prstGeom prst="rect">
+            <a:avLst/>
+          </a:prstGeom>
+          <a:noFill/>
+          <a:ln w="0">
+            <a:noFill/>
+          </a:ln>
+        </p:spPr>
+        <p:txBody>
+          <a:bodyPr lIns="0" rIns="0" tIns="0" bIns="0" anchor="ctr">
+            <a:noAutofit/>
+          </a:bodyPr>
+          <a:p>
+            <a:pPr algn="ctr">
+              <a:lnSpc>
+                <a:spcPct val="100000"/>
+              </a:lnSpc>
+            </a:pPr>
+            <a:r>
+              <a:rPr b="0" lang="en-GB" sz="2800" spc="-1" strike="noStrike">
+                <a:solidFill>
+                  <a:srgbClr val="000000"/>
+                </a:solidFill>
+                <a:latin typeface="Arial"/>
+                <a:ea typeface="DejaVu Sans"/>
+              </a:rPr>
+              <a:t>Experiments with </a:t>
+            </a:r>
+            <a:r>
+              <a:rPr b="0" lang="en-GB" sz="2800" spc="-1" strike="noStrike">
+                <a:solidFill>
+                  <a:srgbClr val="000000"/>
+                </a:solidFill>
+                <a:latin typeface="Arial"/>
+                <a:ea typeface="DejaVu Sans"/>
+              </a:rPr>
+              <a:t>L</a:t>
+            </a:r>
+            <a:r>
+              <a:rPr b="0" lang="en-GB" sz="2800" spc="-1" strike="noStrike" baseline="-8000">
+                <a:solidFill>
+                  <a:srgbClr val="000000"/>
+                </a:solidFill>
+                <a:latin typeface="Arial"/>
+                <a:ea typeface="DejaVu Sans"/>
+              </a:rPr>
+              <a:t>1</a:t>
+            </a:r>
+            <a:r>
+              <a:rPr b="0" lang="en-GB" sz="2800" spc="-1" strike="noStrike">
+                <a:solidFill>
+                  <a:srgbClr val="000000"/>
+                </a:solidFill>
+                <a:latin typeface="Arial"/>
+                <a:ea typeface="DejaVu Sans"/>
+              </a:rPr>
+              <a:t>-geometric margin: synthetic data sets with a varying number of features </a:t>
+            </a:r>
+            <a:endParaRPr b="0" lang="en-GB" sz="2800" spc="-1" strike="noStrike">
+              <a:latin typeface="Arial"/>
+            </a:endParaRPr>
+          </a:p>
+        </p:txBody>
+      </p:sp>
+      <p:pic>
+        <p:nvPicPr>
+          <p:cNvPr id="102" name="" descr=""/>
+          <p:cNvPicPr/>
+          <p:nvPr/>
+        </p:nvPicPr>
+        <p:blipFill>
+          <a:blip r:embed="rId1"/>
+          <a:stretch/>
+        </p:blipFill>
+        <p:spPr>
+          <a:xfrm>
+            <a:off x="360000" y="1260000"/>
+            <a:ext cx="9132840" cy="2340000"/>
+          </a:xfrm>
+          <a:prstGeom prst="rect">
+            <a:avLst/>
+          </a:prstGeom>
+          <a:ln w="0">
+            <a:noFill/>
+          </a:ln>
+        </p:spPr>
+      </p:pic>
+      <p:sp>
+        <p:nvSpPr>
+          <p:cNvPr id="103" name="CustomShape 2"/>
+          <p:cNvSpPr/>
+          <p:nvPr/>
+        </p:nvSpPr>
+        <p:spPr>
+          <a:xfrm>
+            <a:off x="180000" y="3780000"/>
+            <a:ext cx="9539280" cy="1620000"/>
+          </a:xfrm>
+          <a:prstGeom prst="rect">
+            <a:avLst/>
+          </a:prstGeom>
+          <a:noFill/>
+          <a:ln w="0">
+            <a:noFill/>
+          </a:ln>
+        </p:spPr>
+        <p:style>
+          <a:lnRef idx="0"/>
+          <a:fillRef idx="0"/>
+          <a:effectRef idx="0"/>
+          <a:fontRef idx="minor"/>
+        </p:style>
+        <p:txBody>
+          <a:bodyPr lIns="0" rIns="0" tIns="0" bIns="0">
+            <a:noAutofit/>
+          </a:bodyPr>
+          <a:p>
+            <a:pPr marL="432000" indent="-323280">
+              <a:lnSpc>
+                <a:spcPct val="100000"/>
+              </a:lnSpc>
+              <a:spcBef>
+                <a:spcPts val="1417"/>
+              </a:spcBef>
+              <a:buClr>
+                <a:srgbClr val="000000"/>
+              </a:buClr>
+              <a:buSzPct val="45000"/>
+              <a:buFont typeface="Wingdings" charset="2"/>
+              <a:buChar char=""/>
+            </a:pPr>
+            <a:r>
+              <a:rPr b="1" lang="en-US" sz="2000" spc="-1" strike="noStrike">
+                <a:solidFill>
+                  <a:srgbClr val="a26d6a"/>
+                </a:solidFill>
+                <a:latin typeface="Arial"/>
+                <a:ea typeface="Microsoft YaHei"/>
+              </a:rPr>
+              <a:t>As can be seen from the graphs, the geometrical margin for the linear algorithm is higher, which is explained by the different principles of the algorithms. At the same time, the empirical risk on the test set does not di_x001b_er signi_x001c_cantly between the versions of the classi_x001c_ers, as can be seen from the right-hand graph.</a:t>
+            </a:r>
+            <a:endParaRPr b="0" lang="en-GB" sz="2000" spc="-1" strike="noStrike">
+              <a:latin typeface="Arial"/>
+            </a:endParaRPr>
+          </a:p>
+          <a:p>
+            <a:pPr marL="432000" indent="-323280">
+              <a:lnSpc>
+                <a:spcPct val="100000"/>
+              </a:lnSpc>
+              <a:spcBef>
+                <a:spcPts val="1417"/>
+              </a:spcBef>
+              <a:buClr>
+                <a:srgbClr val="000000"/>
+              </a:buClr>
+              <a:buSzPct val="45000"/>
+              <a:buFont typeface="Wingdings" charset="2"/>
+              <a:buChar char=""/>
+            </a:pPr>
+            <a:endParaRPr b="0" lang="en-GB" sz="2000" spc="-1" strike="noStrike">
+              <a:latin typeface="Arial"/>
+            </a:endParaRPr>
+          </a:p>
+          <a:p>
+            <a:pPr marL="432000" indent="-323280">
+              <a:lnSpc>
+                <a:spcPct val="100000"/>
+              </a:lnSpc>
+              <a:spcBef>
+                <a:spcPts val="1417"/>
+              </a:spcBef>
+              <a:buClr>
+                <a:srgbClr val="000000"/>
+              </a:buClr>
+              <a:buSzPct val="45000"/>
+              <a:buFont typeface="Wingdings" charset="2"/>
+              <a:buChar char=""/>
+            </a:pPr>
+            <a:endParaRPr b="0" lang="en-GB" sz="2000" spc="-1" strike="noStrike">
+              <a:latin typeface="Arial"/>
+            </a:endParaRPr>
+          </a:p>
+        </p:txBody>
+      </p:sp>
+    </p:spTree>
+  </p:cSld>
+  <mc:AlternateContent>
+    <mc:Choice Requires="p14">
+      <p:transition spd="slow" p14:dur="2000"/>
+    </mc:Choice>
+    <mc:Fallback>
+      <p:transition spd="slow"/>
+    </mc:Fallback>
+  </mc:AlternateContent>
+</p:sld>
+</file>
+
+<file path=ppt/slides/slide7.xml><?xml version="1.0" encoding="utf-8"?>
+<p:sld xmlns:a="http://schemas.openxmlformats.org/drawingml/2006/main" xmlns:p="http://schemas.openxmlformats.org/presentationml/2006/main" xmlns:r="http://schemas.openxmlformats.org/officeDocument/2006/relationships" xmlns:p14="http://schemas.microsoft.com/office/powerpoint/2010/main" xmlns:p15="http://schemas.microsoft.com/office/powerpoint/2012/main" xmlns:mc="http://schemas.openxmlformats.org/markup-compatibility/2006">
+  <p:cSld>
+    <p:spTree>
+      <p:nvGrpSpPr>
+        <p:cNvPr id="1" name=""/>
+        <p:cNvGrpSpPr/>
+        <p:nvPr/>
+      </p:nvGrpSpPr>
+      <p:grpSpPr>
+        <a:xfrm>
+          <a:off x="0" y="0"/>
+          <a:ext cx="0" cy="0"/>
+          <a:chOff x="0" y="0"/>
+          <a:chExt cx="0" cy="0"/>
+        </a:xfrm>
+      </p:grpSpPr>
+      <p:sp>
+        <p:nvSpPr>
+          <p:cNvPr id="104" name="TextShape 1"/>
+          <p:cNvSpPr txBox="1"/>
+          <p:nvPr/>
+        </p:nvSpPr>
+        <p:spPr>
+          <a:xfrm>
+            <a:off x="504000" y="226080"/>
+            <a:ext cx="9072000" cy="946440"/>
+          </a:xfrm>
+          <a:prstGeom prst="rect">
+            <a:avLst/>
+          </a:prstGeom>
+          <a:noFill/>
+          <a:ln w="0">
+            <a:noFill/>
+          </a:ln>
+        </p:spPr>
+        <p:txBody>
+          <a:bodyPr lIns="0" rIns="0" tIns="0" bIns="0" anchor="ctr">
+            <a:noAutofit/>
+          </a:bodyPr>
+          <a:p>
+            <a:pPr algn="ctr">
+              <a:lnSpc>
+                <a:spcPct val="100000"/>
+              </a:lnSpc>
+            </a:pPr>
+            <a:r>
+              <a:rPr b="0" lang="en-GB" sz="2800" spc="-1" strike="noStrike">
+                <a:solidFill>
+                  <a:srgbClr val="000000"/>
+                </a:solidFill>
+                <a:latin typeface="Arial"/>
+                <a:ea typeface="DejaVu Sans"/>
+              </a:rPr>
+              <a:t>Experiments with </a:t>
+            </a:r>
+            <a:r>
+              <a:rPr b="0" lang="en-GB" sz="2800" spc="-1" strike="noStrike">
+                <a:solidFill>
+                  <a:srgbClr val="000000"/>
+                </a:solidFill>
+                <a:latin typeface="Arial"/>
+                <a:ea typeface="DejaVu Sans"/>
+              </a:rPr>
+              <a:t>L</a:t>
+            </a:r>
+            <a:r>
+              <a:rPr b="0" lang="en-GB" sz="2800" spc="-1" strike="noStrike" baseline="-8000">
+                <a:solidFill>
+                  <a:srgbClr val="000000"/>
+                </a:solidFill>
+                <a:latin typeface="Arial"/>
+                <a:ea typeface="DejaVu Sans"/>
+              </a:rPr>
+              <a:t>1</a:t>
+            </a:r>
+            <a:r>
+              <a:rPr b="0" lang="en-GB" sz="2800" spc="-1" strike="noStrike">
+                <a:solidFill>
+                  <a:srgbClr val="000000"/>
+                </a:solidFill>
+                <a:latin typeface="Arial"/>
+                <a:ea typeface="DejaVu Sans"/>
+              </a:rPr>
+              <a:t>-geometric margin: synthetic data sets with a varying number of samples</a:t>
+            </a:r>
+            <a:endParaRPr b="0" lang="en-GB" sz="2800" spc="-1" strike="noStrike">
+              <a:latin typeface="Arial"/>
+            </a:endParaRPr>
+          </a:p>
+        </p:txBody>
+      </p:sp>
+      <p:pic>
+        <p:nvPicPr>
+          <p:cNvPr id="105" name="" descr=""/>
+          <p:cNvPicPr/>
+          <p:nvPr/>
+        </p:nvPicPr>
+        <p:blipFill>
+          <a:blip r:embed="rId1"/>
+          <a:stretch/>
+        </p:blipFill>
+        <p:spPr>
+          <a:xfrm>
+            <a:off x="1080000" y="1184400"/>
+            <a:ext cx="7920000" cy="2287440"/>
+          </a:xfrm>
+          <a:prstGeom prst="rect">
+            <a:avLst/>
+          </a:prstGeom>
+          <a:ln w="0">
+            <a:noFill/>
+          </a:ln>
+        </p:spPr>
+      </p:pic>
+      <p:sp>
+        <p:nvSpPr>
+          <p:cNvPr id="106" name="CustomShape 2"/>
+          <p:cNvSpPr/>
+          <p:nvPr/>
+        </p:nvSpPr>
+        <p:spPr>
+          <a:xfrm>
+            <a:off x="180000" y="3780000"/>
+            <a:ext cx="9539280" cy="1620000"/>
+          </a:xfrm>
+          <a:prstGeom prst="rect">
+            <a:avLst/>
+          </a:prstGeom>
+          <a:noFill/>
+          <a:ln w="0">
+            <a:noFill/>
+          </a:ln>
+        </p:spPr>
+        <p:style>
+          <a:lnRef idx="0"/>
+          <a:fillRef idx="0"/>
+          <a:effectRef idx="0"/>
+          <a:fontRef idx="minor"/>
+        </p:style>
+        <p:txBody>
+          <a:bodyPr lIns="0" rIns="0" tIns="0" bIns="0">
+            <a:noAutofit/>
+          </a:bodyPr>
+          <a:p>
+            <a:pPr marL="432000" indent="-323280">
+              <a:lnSpc>
+                <a:spcPct val="100000"/>
+              </a:lnSpc>
+              <a:spcBef>
+                <a:spcPts val="1417"/>
+              </a:spcBef>
+              <a:buClr>
+                <a:srgbClr val="000000"/>
+              </a:buClr>
+              <a:buSzPct val="45000"/>
+              <a:buFont typeface="Wingdings" charset="2"/>
+              <a:buChar char=""/>
+            </a:pPr>
+            <a:r>
+              <a:rPr b="1" lang="en-US" sz="2000" spc="-1" strike="noStrike">
+                <a:solidFill>
+                  <a:srgbClr val="a26d6a"/>
+                </a:solidFill>
+                <a:latin typeface="Arial"/>
+                <a:ea typeface="Microsoft YaHei"/>
+              </a:rPr>
+              <a:t>Again, the significant difference in margin values can be seen, which does not, however, affect the empirical risk values. Conversely, the linear algorithm’s risk turns out to be significantly bigger.</a:t>
+            </a:r>
+            <a:endParaRPr b="0" lang="en-GB" sz="2000" spc="-1" strike="noStrike">
+              <a:latin typeface="Arial"/>
+            </a:endParaRPr>
+          </a:p>
+          <a:p>
+            <a:pPr marL="432000" indent="-323280">
+              <a:lnSpc>
+                <a:spcPct val="100000"/>
+              </a:lnSpc>
+              <a:spcBef>
+                <a:spcPts val="1417"/>
+              </a:spcBef>
+              <a:buClr>
+                <a:srgbClr val="000000"/>
+              </a:buClr>
+              <a:buSzPct val="45000"/>
+              <a:buFont typeface="Wingdings" charset="2"/>
+              <a:buChar char=""/>
+            </a:pPr>
+            <a:endParaRPr b="0" lang="en-GB" sz="2000" spc="-1" strike="noStrike">
+              <a:latin typeface="Arial"/>
+            </a:endParaRPr>
+          </a:p>
+          <a:p>
+            <a:pPr marL="432000" indent="-323280">
+              <a:lnSpc>
+                <a:spcPct val="100000"/>
+              </a:lnSpc>
+              <a:spcBef>
+                <a:spcPts val="1417"/>
+              </a:spcBef>
+              <a:buClr>
+                <a:srgbClr val="000000"/>
+              </a:buClr>
+              <a:buSzPct val="45000"/>
+              <a:buFont typeface="Wingdings" charset="2"/>
+              <a:buChar char=""/>
+            </a:pPr>
+            <a:endParaRPr b="0" lang="en-GB" sz="2000" spc="-1" strike="noStrike">
+              <a:latin typeface="Arial"/>
+            </a:endParaRPr>
+          </a:p>
+        </p:txBody>
+      </p:sp>
+    </p:spTree>
+  </p:cSld>
+  <mc:AlternateContent>
+    <mc:Choice Requires="p14">
+      <p:transition spd="slow" p14:dur="2000"/>
+    </mc:Choice>
+    <mc:Fallback>
+      <p:transition spd="slow"/>
+    </mc:Fallback>
+  </mc:AlternateContent>
+</p:sld>
+</file>
+
+<file path=ppt/slides/slide8.xml><?xml version="1.0" encoding="utf-8"?>
+<p:sld xmlns:a="http://schemas.openxmlformats.org/drawingml/2006/main" xmlns:p="http://schemas.openxmlformats.org/presentationml/2006/main" xmlns:r="http://schemas.openxmlformats.org/officeDocument/2006/relationships" xmlns:p14="http://schemas.microsoft.com/office/powerpoint/2010/main" xmlns:p15="http://schemas.microsoft.com/office/powerpoint/2012/main" xmlns:mc="http://schemas.openxmlformats.org/markup-compatibility/2006">
+  <p:cSld>
+    <p:spTree>
+      <p:nvGrpSpPr>
+        <p:cNvPr id="1" name=""/>
+        <p:cNvGrpSpPr/>
+        <p:nvPr/>
+      </p:nvGrpSpPr>
+      <p:grpSpPr>
+        <a:xfrm>
+          <a:off x="0" y="0"/>
+          <a:ext cx="0" cy="0"/>
+          <a:chOff x="0" y="0"/>
+          <a:chExt cx="0" cy="0"/>
+        </a:xfrm>
+      </p:grpSpPr>
+      <p:sp>
+        <p:nvSpPr>
+          <p:cNvPr id="107" name="TextShape 1"/>
+          <p:cNvSpPr txBox="1"/>
+          <p:nvPr/>
+        </p:nvSpPr>
+        <p:spPr>
+          <a:xfrm>
+            <a:off x="504000" y="226080"/>
+            <a:ext cx="9072000" cy="946440"/>
+          </a:xfrm>
+          <a:prstGeom prst="rect">
+            <a:avLst/>
+          </a:prstGeom>
+          <a:noFill/>
+          <a:ln w="0">
+            <a:noFill/>
+          </a:ln>
+        </p:spPr>
+        <p:txBody>
+          <a:bodyPr lIns="0" rIns="0" tIns="0" bIns="0" anchor="ctr">
+            <a:noAutofit/>
+          </a:bodyPr>
+          <a:p>
+            <a:pPr algn="ctr">
+              <a:lnSpc>
+                <a:spcPct val="100000"/>
+              </a:lnSpc>
+            </a:pPr>
+            <a:r>
+              <a:rPr b="0" lang="en-GB" sz="2800" spc="-1" strike="noStrike">
+                <a:solidFill>
+                  <a:srgbClr val="000000"/>
+                </a:solidFill>
+                <a:latin typeface="Arial"/>
+                <a:ea typeface="DejaVu Sans"/>
+              </a:rPr>
+              <a:t>Experiments with </a:t>
+            </a:r>
+            <a:r>
+              <a:rPr b="0" lang="en-GB" sz="2800" spc="-1" strike="noStrike">
+                <a:solidFill>
+                  <a:srgbClr val="000000"/>
+                </a:solidFill>
+                <a:latin typeface="Arial"/>
+                <a:ea typeface="DejaVu Sans"/>
+              </a:rPr>
+              <a:t>L</a:t>
+            </a:r>
+            <a:r>
+              <a:rPr b="0" lang="en-GB" sz="2800" spc="-1" strike="noStrike" baseline="-8000">
+                <a:solidFill>
+                  <a:srgbClr val="000000"/>
+                </a:solidFill>
+                <a:latin typeface="Arial"/>
+                <a:ea typeface="DejaVu Sans"/>
+              </a:rPr>
+              <a:t>1</a:t>
+            </a:r>
+            <a:r>
+              <a:rPr b="0" lang="en-GB" sz="2800" spc="-1" strike="noStrike">
+                <a:solidFill>
+                  <a:srgbClr val="000000"/>
+                </a:solidFill>
+                <a:latin typeface="Arial"/>
+                <a:ea typeface="DejaVu Sans"/>
+              </a:rPr>
+              <a:t>-geometric margin: synthetic data sets with a varying per cent of informative features</a:t>
+            </a:r>
+            <a:endParaRPr b="0" lang="en-GB" sz="2800" spc="-1" strike="noStrike">
+              <a:latin typeface="Arial"/>
+            </a:endParaRPr>
+          </a:p>
+        </p:txBody>
+      </p:sp>
+      <p:pic>
+        <p:nvPicPr>
+          <p:cNvPr id="108" name="" descr=""/>
+          <p:cNvPicPr/>
+          <p:nvPr/>
+        </p:nvPicPr>
+        <p:blipFill>
+          <a:blip r:embed="rId1"/>
+          <a:stretch/>
+        </p:blipFill>
+        <p:spPr>
+          <a:xfrm>
+            <a:off x="720000" y="1260000"/>
+            <a:ext cx="8139600" cy="2336760"/>
+          </a:xfrm>
+          <a:prstGeom prst="rect">
+            <a:avLst/>
+          </a:prstGeom>
+          <a:ln w="0">
+            <a:noFill/>
+          </a:ln>
+        </p:spPr>
+      </p:pic>
+      <p:sp>
+        <p:nvSpPr>
+          <p:cNvPr id="109" name="CustomShape 2"/>
+          <p:cNvSpPr/>
+          <p:nvPr/>
+        </p:nvSpPr>
+        <p:spPr>
+          <a:xfrm>
+            <a:off x="360000" y="3780000"/>
+            <a:ext cx="9539280" cy="1620000"/>
+          </a:xfrm>
+          <a:prstGeom prst="rect">
+            <a:avLst/>
+          </a:prstGeom>
+          <a:noFill/>
+          <a:ln w="0">
+            <a:noFill/>
+          </a:ln>
+        </p:spPr>
+        <p:style>
+          <a:lnRef idx="0"/>
+          <a:fillRef idx="0"/>
+          <a:effectRef idx="0"/>
+          <a:fontRef idx="minor"/>
+        </p:style>
+        <p:txBody>
+          <a:bodyPr lIns="0" rIns="0" tIns="0" bIns="0">
+            <a:noAutofit/>
+          </a:bodyPr>
+          <a:p>
+            <a:pPr marL="432000" indent="-323280">
+              <a:lnSpc>
+                <a:spcPct val="100000"/>
+              </a:lnSpc>
+              <a:spcBef>
+                <a:spcPts val="1417"/>
+              </a:spcBef>
+              <a:buClr>
+                <a:srgbClr val="000000"/>
+              </a:buClr>
+              <a:buSzPct val="45000"/>
+              <a:buFont typeface="Wingdings" charset="2"/>
+              <a:buChar char=""/>
+            </a:pPr>
+            <a:r>
+              <a:rPr b="1" lang="en-US" sz="2000" spc="-1" strike="noStrike">
+                <a:solidFill>
+                  <a:srgbClr val="a26d6a"/>
+                </a:solidFill>
+                <a:latin typeface="Arial"/>
+                <a:ea typeface="Microsoft YaHei"/>
+              </a:rPr>
+              <a:t>The ratio of the data is similar to previous experiments, the difference in margin does not lead to better empirical risk.</a:t>
+            </a:r>
+            <a:endParaRPr b="0" lang="en-GB" sz="2000" spc="-1" strike="noStrike">
+              <a:latin typeface="Arial"/>
+            </a:endParaRPr>
+          </a:p>
+          <a:p>
+            <a:pPr marL="432000" indent="-323280">
+              <a:lnSpc>
+                <a:spcPct val="100000"/>
+              </a:lnSpc>
+              <a:spcBef>
+                <a:spcPts val="1417"/>
+              </a:spcBef>
+              <a:buClr>
+                <a:srgbClr val="000000"/>
+              </a:buClr>
+              <a:buSzPct val="45000"/>
+              <a:buFont typeface="Wingdings" charset="2"/>
+              <a:buChar char=""/>
+            </a:pPr>
+            <a:endParaRPr b="0" lang="en-GB" sz="2000" spc="-1" strike="noStrike">
+              <a:latin typeface="Arial"/>
+            </a:endParaRPr>
+          </a:p>
+          <a:p>
+            <a:pPr marL="432000" indent="-323280">
+              <a:lnSpc>
+                <a:spcPct val="100000"/>
+              </a:lnSpc>
+              <a:spcBef>
+                <a:spcPts val="1417"/>
+              </a:spcBef>
+              <a:buClr>
+                <a:srgbClr val="000000"/>
+              </a:buClr>
+              <a:buSzPct val="45000"/>
+              <a:buFont typeface="Wingdings" charset="2"/>
+              <a:buChar char=""/>
+            </a:pPr>
+            <a:endParaRPr b="0" lang="en-GB" sz="2000" spc="-1" strike="noStrike">
+              <a:latin typeface="Arial"/>
+            </a:endParaRPr>
+          </a:p>
+        </p:txBody>
+      </p:sp>
+    </p:spTree>
+  </p:cSld>
+  <mc:AlternateContent>
+    <mc:Choice Requires="p14">
+      <p:transition spd="slow" p14:dur="2000"/>
+    </mc:Choice>
+    <mc:Fallback>
+      <p:transition spd="slow"/>
+    </mc:Fallback>
+  </mc:AlternateContent>
+</p:sld>
+</file>
+
+<file path=ppt/slides/slide9.xml><?xml version="1.0" encoding="utf-8"?>
+<p:sld xmlns:a="http://schemas.openxmlformats.org/drawingml/2006/main" xmlns:p="http://schemas.openxmlformats.org/presentationml/2006/main" xmlns:r="http://schemas.openxmlformats.org/officeDocument/2006/relationships" xmlns:p14="http://schemas.microsoft.com/office/powerpoint/2010/main" xmlns:p15="http://schemas.microsoft.com/office/powerpoint/2012/main" xmlns:mc="http://schemas.openxmlformats.org/markup-compatibility/2006">
+  <p:cSld>
+    <p:spTree>
+      <p:nvGrpSpPr>
+        <p:cNvPr id="1" name=""/>
+        <p:cNvGrpSpPr/>
+        <p:nvPr/>
+      </p:nvGrpSpPr>
+      <p:grpSpPr>
+        <a:xfrm>
+          <a:off x="0" y="0"/>
+          <a:ext cx="0" cy="0"/>
+          <a:chOff x="0" y="0"/>
+          <a:chExt cx="0" cy="0"/>
+        </a:xfrm>
+      </p:grpSpPr>
+      <p:sp>
+        <p:nvSpPr>
+          <p:cNvPr id="110" name="TextShape 1"/>
+          <p:cNvSpPr txBox="1"/>
+          <p:nvPr/>
+        </p:nvSpPr>
+        <p:spPr>
+          <a:xfrm>
+            <a:off x="504000" y="226080"/>
+            <a:ext cx="9072000" cy="853920"/>
+          </a:xfrm>
+          <a:prstGeom prst="rect">
+            <a:avLst/>
+          </a:prstGeom>
+          <a:noFill/>
+          <a:ln w="0">
+            <a:noFill/>
+          </a:ln>
+        </p:spPr>
+        <p:txBody>
+          <a:bodyPr lIns="0" rIns="0" tIns="0" bIns="0" anchor="ctr">
+            <a:noAutofit/>
+          </a:bodyPr>
+          <a:p>
+            <a:pPr algn="ctr">
+              <a:lnSpc>
+                <a:spcPct val="100000"/>
+              </a:lnSpc>
+            </a:pPr>
+            <a:r>
+              <a:rPr b="0" lang="en-GB" sz="2800" spc="-1" strike="noStrike">
+                <a:solidFill>
+                  <a:srgbClr val="000000"/>
+                </a:solidFill>
+                <a:latin typeface="Arial"/>
+                <a:ea typeface="DejaVu Sans"/>
+              </a:rPr>
+              <a:t>Experiments with </a:t>
+            </a:r>
+            <a:r>
+              <a:rPr b="0" lang="en-GB" sz="2800" spc="-1" strike="noStrike">
+                <a:solidFill>
+                  <a:srgbClr val="000000"/>
+                </a:solidFill>
+                <a:latin typeface="Arial"/>
+                <a:ea typeface="DejaVu Sans"/>
+              </a:rPr>
+              <a:t>L</a:t>
+            </a:r>
+            <a:r>
+              <a:rPr b="0" lang="en-GB" sz="2800" spc="-1" strike="noStrike" baseline="-8000">
+                <a:solidFill>
+                  <a:srgbClr val="000000"/>
+                </a:solidFill>
+                <a:latin typeface="Arial"/>
+                <a:ea typeface="DejaVu Sans"/>
+              </a:rPr>
+              <a:t>1</a:t>
+            </a:r>
+            <a:r>
+              <a:rPr b="0" lang="en-GB" sz="2800" spc="-1" strike="noStrike">
+                <a:solidFill>
+                  <a:srgbClr val="000000"/>
+                </a:solidFill>
+                <a:latin typeface="Arial"/>
+                <a:ea typeface="DejaVu Sans"/>
+              </a:rPr>
+              <a:t>-geometric margin: tests on real data sets</a:t>
+            </a:r>
+            <a:endParaRPr b="0" lang="en-GB" sz="2800" spc="-1" strike="noStrike">
+              <a:latin typeface="Arial"/>
+            </a:endParaRPr>
+          </a:p>
+        </p:txBody>
+      </p:sp>
+      <p:sp>
+        <p:nvSpPr>
+          <p:cNvPr id="111" name="CustomShape 2"/>
+          <p:cNvSpPr/>
+          <p:nvPr/>
+        </p:nvSpPr>
+        <p:spPr>
+          <a:xfrm>
+            <a:off x="360000" y="1080000"/>
+            <a:ext cx="9539280" cy="540000"/>
+          </a:xfrm>
+          <a:prstGeom prst="rect">
+            <a:avLst/>
+          </a:prstGeom>
+          <a:noFill/>
+          <a:ln w="0">
+            <a:noFill/>
+          </a:ln>
+        </p:spPr>
+        <p:style>
+          <a:lnRef idx="0"/>
+          <a:fillRef idx="0"/>
+          <a:effectRef idx="0"/>
+          <a:fontRef idx="minor"/>
+        </p:style>
+        <p:txBody>
+          <a:bodyPr lIns="0" rIns="0" tIns="0" bIns="0">
+            <a:noAutofit/>
+          </a:bodyPr>
+          <a:p>
+            <a:pPr marL="432000" indent="-323280">
+              <a:lnSpc>
+                <a:spcPct val="100000"/>
+              </a:lnSpc>
+              <a:spcBef>
+                <a:spcPts val="1417"/>
+              </a:spcBef>
+              <a:buClr>
+                <a:srgbClr val="000000"/>
+              </a:buClr>
+              <a:buSzPct val="45000"/>
+              <a:buFont typeface="Wingdings" charset="2"/>
+              <a:buChar char=""/>
+            </a:pPr>
+            <a:r>
+              <a:rPr b="1" lang="en-US" sz="2000" spc="-1" strike="noStrike">
+                <a:solidFill>
+                  <a:srgbClr val="a26d6a"/>
+                </a:solidFill>
+                <a:latin typeface="Arial"/>
+                <a:ea typeface="Microsoft YaHei"/>
+              </a:rPr>
+              <a:t>Set of experiments on breast cancer data set give results as follow:</a:t>
+            </a:r>
+            <a:endParaRPr b="0" lang="en-GB" sz="2000" spc="-1" strike="noStrike">
+              <a:latin typeface="Arial"/>
+            </a:endParaRPr>
+          </a:p>
+          <a:p>
+            <a:pPr marL="432000" indent="-323280">
+              <a:lnSpc>
+                <a:spcPct val="100000"/>
+              </a:lnSpc>
+              <a:spcBef>
+                <a:spcPts val="1417"/>
+              </a:spcBef>
+              <a:buClr>
+                <a:srgbClr val="000000"/>
+              </a:buClr>
+              <a:buSzPct val="45000"/>
+              <a:buFont typeface="Wingdings" charset="2"/>
+              <a:buChar char=""/>
+            </a:pPr>
+            <a:endParaRPr b="0" lang="en-GB" sz="2000" spc="-1" strike="noStrike">
+              <a:latin typeface="Arial"/>
+            </a:endParaRPr>
+          </a:p>
+          <a:p>
+            <a:pPr marL="432000" indent="-323280">
+              <a:lnSpc>
+                <a:spcPct val="100000"/>
+              </a:lnSpc>
+              <a:spcBef>
+                <a:spcPts val="1417"/>
+              </a:spcBef>
+              <a:buClr>
+                <a:srgbClr val="000000"/>
+              </a:buClr>
+              <a:buSzPct val="45000"/>
+              <a:buFont typeface="Wingdings" charset="2"/>
+              <a:buChar char=""/>
+            </a:pPr>
+            <a:endParaRPr b="0" lang="en-GB" sz="2000" spc="-1" strike="noStrike">
+              <a:latin typeface="Arial"/>
+            </a:endParaRPr>
+          </a:p>
+        </p:txBody>
+      </p:sp>
+      <p:pic>
+        <p:nvPicPr>
+          <p:cNvPr id="112" name="" descr=""/>
+          <p:cNvPicPr/>
+          <p:nvPr/>
+        </p:nvPicPr>
+        <p:blipFill>
+          <a:blip r:embed="rId1"/>
+          <a:stretch/>
+        </p:blipFill>
+        <p:spPr>
+          <a:xfrm>
+            <a:off x="2127960" y="1440000"/>
+            <a:ext cx="4892040" cy="972720"/>
+          </a:xfrm>
+          <a:prstGeom prst="rect">
+            <a:avLst/>
+          </a:prstGeom>
+          <a:ln w="0">
+            <a:noFill/>
+          </a:ln>
+        </p:spPr>
+      </p:pic>
+      <p:sp>
+        <p:nvSpPr>
+          <p:cNvPr id="113" name="CustomShape 3"/>
+          <p:cNvSpPr/>
+          <p:nvPr/>
+        </p:nvSpPr>
+        <p:spPr>
+          <a:xfrm>
+            <a:off x="360720" y="2520000"/>
+            <a:ext cx="9539280" cy="540000"/>
+          </a:xfrm>
+          <a:prstGeom prst="rect">
+            <a:avLst/>
+          </a:prstGeom>
+          <a:noFill/>
+          <a:ln w="0">
+            <a:noFill/>
+          </a:ln>
+        </p:spPr>
+        <p:style>
+          <a:lnRef idx="0"/>
+          <a:fillRef idx="0"/>
+          <a:effectRef idx="0"/>
+          <a:fontRef idx="minor"/>
+        </p:style>
+        <p:txBody>
+          <a:bodyPr lIns="0" rIns="0" tIns="0" bIns="0">
+            <a:noAutofit/>
+          </a:bodyPr>
+          <a:p>
+            <a:pPr marL="432000" indent="-323280">
+              <a:lnSpc>
+                <a:spcPct val="100000"/>
+              </a:lnSpc>
+              <a:spcBef>
+                <a:spcPts val="1417"/>
+              </a:spcBef>
+              <a:buClr>
+                <a:srgbClr val="000000"/>
+              </a:buClr>
+              <a:buSzPct val="45000"/>
+              <a:buFont typeface="Wingdings" charset="2"/>
+              <a:buChar char=""/>
+            </a:pPr>
+            <a:r>
+              <a:rPr b="1" lang="en-US" sz="2000" spc="-1" strike="noStrike">
+                <a:solidFill>
+                  <a:srgbClr val="a26d6a"/>
+                </a:solidFill>
+                <a:latin typeface="Arial"/>
+                <a:ea typeface="Microsoft YaHei"/>
+              </a:rPr>
+              <a:t>Set of experiments on ionosphere data set give results as follow:</a:t>
+            </a:r>
+            <a:endParaRPr b="0" lang="en-GB" sz="2000" spc="-1" strike="noStrike">
+              <a:latin typeface="Arial"/>
+            </a:endParaRPr>
+          </a:p>
+          <a:p>
+            <a:pPr marL="432000" indent="-323280">
+              <a:lnSpc>
+                <a:spcPct val="100000"/>
+              </a:lnSpc>
+              <a:spcBef>
+                <a:spcPts val="1417"/>
+              </a:spcBef>
+              <a:buClr>
+                <a:srgbClr val="000000"/>
+              </a:buClr>
+              <a:buSzPct val="45000"/>
+              <a:buFont typeface="Wingdings" charset="2"/>
+              <a:buChar char=""/>
+            </a:pPr>
+            <a:endParaRPr b="0" lang="en-GB" sz="2000" spc="-1" strike="noStrike">
+              <a:latin typeface="Arial"/>
+            </a:endParaRPr>
+          </a:p>
+          <a:p>
+            <a:pPr marL="432000" indent="-323280">
+              <a:lnSpc>
+                <a:spcPct val="100000"/>
+              </a:lnSpc>
+              <a:spcBef>
+                <a:spcPts val="1417"/>
+              </a:spcBef>
+              <a:buClr>
+                <a:srgbClr val="000000"/>
+              </a:buClr>
+              <a:buSzPct val="45000"/>
+              <a:buFont typeface="Wingdings" charset="2"/>
+              <a:buChar char=""/>
+            </a:pPr>
+            <a:endParaRPr b="0" lang="en-GB" sz="2000" spc="-1" strike="noStrike">
+              <a:latin typeface="Arial"/>
+            </a:endParaRPr>
+          </a:p>
+        </p:txBody>
+      </p:sp>
+      <p:pic>
+        <p:nvPicPr>
+          <p:cNvPr id="114" name="" descr=""/>
+          <p:cNvPicPr/>
+          <p:nvPr/>
+        </p:nvPicPr>
+        <p:blipFill>
+          <a:blip r:embed="rId2"/>
+          <a:stretch/>
+        </p:blipFill>
+        <p:spPr>
+          <a:xfrm>
+            <a:off x="2160000" y="2880000"/>
+            <a:ext cx="4846320" cy="952200"/>
+          </a:xfrm>
+          <a:prstGeom prst="rect">
+            <a:avLst/>
+          </a:prstGeom>
+          <a:ln w="0">
+            <a:noFill/>
+          </a:ln>
+        </p:spPr>
+      </p:pic>
+      <p:sp>
+        <p:nvSpPr>
+          <p:cNvPr id="115" name="CustomShape 4"/>
+          <p:cNvSpPr/>
+          <p:nvPr/>
+        </p:nvSpPr>
+        <p:spPr>
+          <a:xfrm>
+            <a:off x="360720" y="3960000"/>
+            <a:ext cx="9539280" cy="1440000"/>
+          </a:xfrm>
+          <a:prstGeom prst="rect">
+            <a:avLst/>
+          </a:prstGeom>
+          <a:noFill/>
+          <a:ln w="0">
+            <a:noFill/>
+          </a:ln>
+        </p:spPr>
+        <p:style>
+          <a:lnRef idx="0"/>
+          <a:fillRef idx="0"/>
+          <a:effectRef idx="0"/>
+          <a:fontRef idx="minor"/>
+        </p:style>
+        <p:txBody>
+          <a:bodyPr lIns="0" rIns="0" tIns="0" bIns="0">
+            <a:noAutofit/>
+          </a:bodyPr>
+          <a:p>
+            <a:pPr marL="432000" indent="-323280">
+              <a:lnSpc>
+                <a:spcPct val="100000"/>
+              </a:lnSpc>
+              <a:spcBef>
+                <a:spcPts val="1417"/>
+              </a:spcBef>
+              <a:buClr>
+                <a:srgbClr val="000000"/>
+              </a:buClr>
+              <a:buSzPct val="45000"/>
+              <a:buFont typeface="Wingdings" charset="2"/>
+              <a:buChar char=""/>
+            </a:pPr>
+            <a:r>
+              <a:rPr b="1" lang="en-US" sz="2000" spc="-1" strike="noStrike">
+                <a:solidFill>
+                  <a:srgbClr val="a26d6a"/>
+                </a:solidFill>
+                <a:latin typeface="Arial"/>
+                <a:ea typeface="Microsoft YaHei"/>
+              </a:rPr>
+              <a:t>On both data sets the linear algorithm gives the larger geometric margin and the larger error simultaneously. Together with results on synthetic data sets this shows that the larger geometric margin does not ensure the smaller error. To summarise, L1-geometric margin cannot be a reliable indicator of classifier quality.</a:t>
+            </a:r>
+            <a:endParaRPr b="0" lang="en-GB" sz="2000" spc="-1" strike="noStrike">
+              <a:latin typeface="Arial"/>
+            </a:endParaRPr>
+          </a:p>
+          <a:p>
+            <a:pPr marL="432000" indent="-323280">
+              <a:lnSpc>
+                <a:spcPct val="100000"/>
+              </a:lnSpc>
+              <a:spcBef>
+                <a:spcPts val="1417"/>
+              </a:spcBef>
+              <a:buClr>
+                <a:srgbClr val="000000"/>
+              </a:buClr>
+              <a:buSzPct val="45000"/>
+              <a:buFont typeface="Wingdings" charset="2"/>
+              <a:buChar char=""/>
+            </a:pPr>
+            <a:endParaRPr b="0" lang="en-GB" sz="2000" spc="-1" strike="noStrike">
+              <a:latin typeface="Arial"/>
+            </a:endParaRPr>
+          </a:p>
+          <a:p>
+            <a:pPr marL="432000" indent="-323280">
+              <a:lnSpc>
+                <a:spcPct val="100000"/>
+              </a:lnSpc>
+              <a:spcBef>
+                <a:spcPts val="1417"/>
+              </a:spcBef>
+              <a:buClr>
+                <a:srgbClr val="000000"/>
+              </a:buClr>
+              <a:buSzPct val="45000"/>
+              <a:buFont typeface="Wingdings" charset="2"/>
+              <a:buChar char=""/>
+            </a:pPr>
             <a:endParaRPr b="0" lang="en-GB" sz="2000" spc="-1" strike="noStrike">
               <a:latin typeface="Arial"/>
             </a:endParaRPr>
